--- a/doc/process/flow chart.pptx
+++ b/doc/process/flow chart.pptx
@@ -265,7 +265,7 @@
           <a:p>
             <a:fld id="{E3D17B11-CCD8-4EEC-AD7E-F410C1454966}" type="datetimeFigureOut">
               <a:rPr lang="zh-CN" altLang="en-US" smtClean="0"/>
-              <a:t>2023/2/8</a:t>
+              <a:t>2023/2/14</a:t>
             </a:fld>
             <a:endParaRPr lang="zh-CN" altLang="en-US"/>
           </a:p>
@@ -433,7 +433,7 @@
           <a:p>
             <a:fld id="{E3D17B11-CCD8-4EEC-AD7E-F410C1454966}" type="datetimeFigureOut">
               <a:rPr lang="zh-CN" altLang="en-US" smtClean="0"/>
-              <a:t>2023/2/8</a:t>
+              <a:t>2023/2/14</a:t>
             </a:fld>
             <a:endParaRPr lang="zh-CN" altLang="en-US"/>
           </a:p>
@@ -611,7 +611,7 @@
           <a:p>
             <a:fld id="{E3D17B11-CCD8-4EEC-AD7E-F410C1454966}" type="datetimeFigureOut">
               <a:rPr lang="zh-CN" altLang="en-US" smtClean="0"/>
-              <a:t>2023/2/8</a:t>
+              <a:t>2023/2/14</a:t>
             </a:fld>
             <a:endParaRPr lang="zh-CN" altLang="en-US"/>
           </a:p>
@@ -779,7 +779,7 @@
           <a:p>
             <a:fld id="{E3D17B11-CCD8-4EEC-AD7E-F410C1454966}" type="datetimeFigureOut">
               <a:rPr lang="zh-CN" altLang="en-US" smtClean="0"/>
-              <a:t>2023/2/8</a:t>
+              <a:t>2023/2/14</a:t>
             </a:fld>
             <a:endParaRPr lang="zh-CN" altLang="en-US"/>
           </a:p>
@@ -1024,7 +1024,7 @@
           <a:p>
             <a:fld id="{E3D17B11-CCD8-4EEC-AD7E-F410C1454966}" type="datetimeFigureOut">
               <a:rPr lang="zh-CN" altLang="en-US" smtClean="0"/>
-              <a:t>2023/2/8</a:t>
+              <a:t>2023/2/14</a:t>
             </a:fld>
             <a:endParaRPr lang="zh-CN" altLang="en-US"/>
           </a:p>
@@ -1253,7 +1253,7 @@
           <a:p>
             <a:fld id="{E3D17B11-CCD8-4EEC-AD7E-F410C1454966}" type="datetimeFigureOut">
               <a:rPr lang="zh-CN" altLang="en-US" smtClean="0"/>
-              <a:t>2023/2/8</a:t>
+              <a:t>2023/2/14</a:t>
             </a:fld>
             <a:endParaRPr lang="zh-CN" altLang="en-US"/>
           </a:p>
@@ -1617,7 +1617,7 @@
           <a:p>
             <a:fld id="{E3D17B11-CCD8-4EEC-AD7E-F410C1454966}" type="datetimeFigureOut">
               <a:rPr lang="zh-CN" altLang="en-US" smtClean="0"/>
-              <a:t>2023/2/8</a:t>
+              <a:t>2023/2/14</a:t>
             </a:fld>
             <a:endParaRPr lang="zh-CN" altLang="en-US"/>
           </a:p>
@@ -1734,7 +1734,7 @@
           <a:p>
             <a:fld id="{E3D17B11-CCD8-4EEC-AD7E-F410C1454966}" type="datetimeFigureOut">
               <a:rPr lang="zh-CN" altLang="en-US" smtClean="0"/>
-              <a:t>2023/2/8</a:t>
+              <a:t>2023/2/14</a:t>
             </a:fld>
             <a:endParaRPr lang="zh-CN" altLang="en-US"/>
           </a:p>
@@ -1829,7 +1829,7 @@
           <a:p>
             <a:fld id="{E3D17B11-CCD8-4EEC-AD7E-F410C1454966}" type="datetimeFigureOut">
               <a:rPr lang="zh-CN" altLang="en-US" smtClean="0"/>
-              <a:t>2023/2/8</a:t>
+              <a:t>2023/2/14</a:t>
             </a:fld>
             <a:endParaRPr lang="zh-CN" altLang="en-US"/>
           </a:p>
@@ -2104,7 +2104,7 @@
           <a:p>
             <a:fld id="{E3D17B11-CCD8-4EEC-AD7E-F410C1454966}" type="datetimeFigureOut">
               <a:rPr lang="zh-CN" altLang="en-US" smtClean="0"/>
-              <a:t>2023/2/8</a:t>
+              <a:t>2023/2/14</a:t>
             </a:fld>
             <a:endParaRPr lang="zh-CN" altLang="en-US"/>
           </a:p>
@@ -2356,7 +2356,7 @@
           <a:p>
             <a:fld id="{E3D17B11-CCD8-4EEC-AD7E-F410C1454966}" type="datetimeFigureOut">
               <a:rPr lang="zh-CN" altLang="en-US" smtClean="0"/>
-              <a:t>2023/2/8</a:t>
+              <a:t>2023/2/14</a:t>
             </a:fld>
             <a:endParaRPr lang="zh-CN" altLang="en-US"/>
           </a:p>
@@ -2567,7 +2567,7 @@
           <a:p>
             <a:fld id="{E3D17B11-CCD8-4EEC-AD7E-F410C1454966}" type="datetimeFigureOut">
               <a:rPr lang="zh-CN" altLang="en-US" smtClean="0"/>
-              <a:t>2023/2/8</a:t>
+              <a:t>2023/2/14</a:t>
             </a:fld>
             <a:endParaRPr lang="zh-CN" altLang="en-US"/>
           </a:p>
@@ -3110,6 +3110,148 @@
           </a:p>
         </p:txBody>
       </p:sp>
+      <p:graphicFrame>
+        <p:nvGraphicFramePr>
+          <p:cNvPr id="3" name="表格 2">
+            <a:extLst>
+              <a:ext uri="{FF2B5EF4-FFF2-40B4-BE49-F238E27FC236}">
+                <a16:creationId xmlns:a16="http://schemas.microsoft.com/office/drawing/2014/main" id="{D8AB9FE9-EB08-A21F-E870-9FA526B62627}"/>
+              </a:ext>
+            </a:extLst>
+          </p:cNvPr>
+          <p:cNvGraphicFramePr>
+            <a:graphicFrameLocks noGrp="1"/>
+          </p:cNvGraphicFramePr>
+          <p:nvPr>
+            <p:extLst>
+              <p:ext uri="{D42A27DB-BD31-4B8C-83A1-F6EECF244321}">
+                <p14:modId xmlns:p14="http://schemas.microsoft.com/office/powerpoint/2010/main" val="3135809880"/>
+              </p:ext>
+            </p:extLst>
+          </p:nvPr>
+        </p:nvGraphicFramePr>
+        <p:xfrm>
+          <a:off x="7172960" y="5521437"/>
+          <a:ext cx="3606800" cy="529590"/>
+        </p:xfrm>
+        <a:graphic>
+          <a:graphicData uri="http://schemas.openxmlformats.org/drawingml/2006/table">
+            <a:tbl>
+              <a:tblPr>
+                <a:tableStyleId>{5C22544A-7EE6-4342-B048-85BDC9FD1C3A}</a:tableStyleId>
+              </a:tblPr>
+              <a:tblGrid>
+                <a:gridCol w="3606800">
+                  <a:extLst>
+                    <a:ext uri="{9D8B030D-6E8A-4147-A177-3AD203B41FA5}">
+                      <a16:colId xmlns:a16="http://schemas.microsoft.com/office/drawing/2014/main" val="2718636420"/>
+                    </a:ext>
+                  </a:extLst>
+                </a:gridCol>
+              </a:tblGrid>
+              <a:tr h="176530">
+                <a:tc>
+                  <a:txBody>
+                    <a:bodyPr/>
+                    <a:lstStyle/>
+                    <a:p>
+                      <a:pPr algn="l" fontAlgn="b"/>
+                      <a:r>
+                        <a:rPr lang="zh-CN" altLang="en-US" sz="1100" u="none" strike="noStrike" dirty="0">
+                          <a:effectLst/>
+                        </a:rPr>
+                        <a:t>驱动：驱动摄像头，驱动</a:t>
+                      </a:r>
+                      <a:r>
+                        <a:rPr lang="en-US" altLang="zh-CN" sz="1100" u="none" strike="noStrike" dirty="0">
+                          <a:effectLst/>
+                        </a:rPr>
+                        <a:t>GPS</a:t>
+                      </a:r>
+                      <a:endParaRPr lang="en-US" altLang="zh-CN" sz="1100" b="0" i="0" u="none" strike="noStrike" dirty="0">
+                        <a:solidFill>
+                          <a:srgbClr val="000000"/>
+                        </a:solidFill>
+                        <a:effectLst/>
+                        <a:latin typeface="等线" panose="02010600030101010101" pitchFamily="2" charset="-122"/>
+                        <a:ea typeface="等线" panose="02010600030101010101" pitchFamily="2" charset="-122"/>
+                      </a:endParaRPr>
+                    </a:p>
+                  </a:txBody>
+                  <a:tcPr marL="4763" marR="4763" marT="4763" marB="0" anchor="b"/>
+                </a:tc>
+                <a:extLst>
+                  <a:ext uri="{0D108BD9-81ED-4DB2-BD59-A6C34878D82A}">
+                    <a16:rowId xmlns:a16="http://schemas.microsoft.com/office/drawing/2014/main" val="1153157284"/>
+                  </a:ext>
+                </a:extLst>
+              </a:tr>
+              <a:tr h="176530">
+                <a:tc>
+                  <a:txBody>
+                    <a:bodyPr/>
+                    <a:lstStyle/>
+                    <a:p>
+                      <a:pPr algn="l" fontAlgn="b"/>
+                      <a:r>
+                        <a:rPr lang="zh-CN" altLang="en-US" sz="1100" u="none" strike="noStrike">
+                          <a:effectLst/>
+                        </a:rPr>
+                        <a:t>界面</a:t>
+                      </a:r>
+                      <a:endParaRPr lang="zh-CN" altLang="en-US" sz="1100" b="0" i="0" u="none" strike="noStrike">
+                        <a:solidFill>
+                          <a:srgbClr val="000000"/>
+                        </a:solidFill>
+                        <a:effectLst/>
+                        <a:latin typeface="等线" panose="02010600030101010101" pitchFamily="2" charset="-122"/>
+                        <a:ea typeface="等线" panose="02010600030101010101" pitchFamily="2" charset="-122"/>
+                      </a:endParaRPr>
+                    </a:p>
+                  </a:txBody>
+                  <a:tcPr marL="4763" marR="4763" marT="4763" marB="0" anchor="b"/>
+                </a:tc>
+                <a:extLst>
+                  <a:ext uri="{0D108BD9-81ED-4DB2-BD59-A6C34878D82A}">
+                    <a16:rowId xmlns:a16="http://schemas.microsoft.com/office/drawing/2014/main" val="4234296213"/>
+                  </a:ext>
+                </a:extLst>
+              </a:tr>
+              <a:tr h="176530">
+                <a:tc>
+                  <a:txBody>
+                    <a:bodyPr/>
+                    <a:lstStyle/>
+                    <a:p>
+                      <a:pPr algn="l" fontAlgn="b"/>
+                      <a:r>
+                        <a:rPr lang="zh-CN" altLang="en-US" sz="1100" u="none" strike="noStrike" dirty="0">
+                          <a:effectLst/>
+                        </a:rPr>
+                        <a:t>视觉物理检测 </a:t>
+                      </a:r>
+                      <a:endParaRPr lang="zh-CN" altLang="en-US" sz="1100" b="0" i="0" u="none" strike="noStrike" dirty="0">
+                        <a:solidFill>
+                          <a:srgbClr val="000000"/>
+                        </a:solidFill>
+                        <a:effectLst/>
+                        <a:latin typeface="等线" panose="02010600030101010101" pitchFamily="2" charset="-122"/>
+                        <a:ea typeface="等线" panose="02010600030101010101" pitchFamily="2" charset="-122"/>
+                      </a:endParaRPr>
+                    </a:p>
+                  </a:txBody>
+                  <a:tcPr marL="4763" marR="4763" marT="4763" marB="0" anchor="b"/>
+                </a:tc>
+                <a:extLst>
+                  <a:ext uri="{0D108BD9-81ED-4DB2-BD59-A6C34878D82A}">
+                    <a16:rowId xmlns:a16="http://schemas.microsoft.com/office/drawing/2014/main" val="53929917"/>
+                  </a:ext>
+                </a:extLst>
+              </a:tr>
+            </a:tbl>
+          </a:graphicData>
+        </a:graphic>
+      </p:graphicFrame>
     </p:spTree>
     <p:extLst>
       <p:ext uri="{BB962C8B-B14F-4D97-AF65-F5344CB8AC3E}">
@@ -7290,6 +7432,12 @@
 </file>
 
 <file path=customXml/item2.xml><?xml version="1.0" encoding="utf-8"?>
+<p:properties xmlns:p="http://schemas.microsoft.com/office/2006/metadata/properties" xmlns:xsi="http://www.w3.org/2001/XMLSchema-instance" xmlns:pc="http://schemas.microsoft.com/office/infopath/2007/PartnerControls">
+  <documentManagement/>
+</p:properties>
+</file>
+
+<file path=customXml/item3.xml><?xml version="1.0" encoding="utf-8"?>
 <ct:contentTypeSchema xmlns:ct="http://schemas.microsoft.com/office/2006/metadata/contentType" xmlns:ma="http://schemas.microsoft.com/office/2006/metadata/properties/metaAttributes" ct:_="" ma:_="" ma:contentTypeName="Document" ma:contentTypeID="0x010100F2AB421C9110224AA02A18D8D10E16F5" ma:contentTypeVersion="2" ma:contentTypeDescription="Create a new document." ma:contentTypeScope="" ma:versionID="cbb88699c37bb8b6255bc79f16f55f64">
   <xsd:schema xmlns:xsd="http://www.w3.org/2001/XMLSchema" xmlns:xs="http://www.w3.org/2001/XMLSchema" xmlns:p="http://schemas.microsoft.com/office/2006/metadata/properties" xmlns:ns2="388971c7-f163-48c6-ac2a-a72ef385c425" targetNamespace="http://schemas.microsoft.com/office/2006/metadata/properties" ma:root="true" ma:fieldsID="e3a4148570fc6928027d9d3847b5d9e0" ns2:_="">
     <xsd:import namespace="388971c7-f163-48c6-ac2a-a72ef385c425"/>
@@ -7421,12 +7569,6 @@
 </ct:contentTypeSchema>
 </file>
 
-<file path=customXml/item3.xml><?xml version="1.0" encoding="utf-8"?>
-<p:properties xmlns:p="http://schemas.microsoft.com/office/2006/metadata/properties" xmlns:xsi="http://www.w3.org/2001/XMLSchema-instance" xmlns:pc="http://schemas.microsoft.com/office/infopath/2007/PartnerControls">
-  <documentManagement/>
-</p:properties>
-</file>
-
 <file path=customXml/itemProps1.xml><?xml version="1.0" encoding="utf-8"?>
 <ds:datastoreItem xmlns:ds="http://schemas.openxmlformats.org/officeDocument/2006/customXml" ds:itemID="{D271BF22-17F3-46ED-95FE-CF738D84085D}">
   <ds:schemaRefs>
@@ -7436,6 +7578,15 @@
 </file>
 
 <file path=customXml/itemProps2.xml><?xml version="1.0" encoding="utf-8"?>
+<ds:datastoreItem xmlns:ds="http://schemas.openxmlformats.org/officeDocument/2006/customXml" ds:itemID="{A719F20E-3DEB-4654-B7F9-4AAB6F5FC839}">
+  <ds:schemaRefs>
+    <ds:schemaRef ds:uri="http://schemas.microsoft.com/office/2006/metadata/properties"/>
+    <ds:schemaRef ds:uri="http://schemas.microsoft.com/office/infopath/2007/PartnerControls"/>
+  </ds:schemaRefs>
+</ds:datastoreItem>
+</file>
+
+<file path=customXml/itemProps3.xml><?xml version="1.0" encoding="utf-8"?>
 <ds:datastoreItem xmlns:ds="http://schemas.openxmlformats.org/officeDocument/2006/customXml" ds:itemID="{C194790B-0425-4752-87AA-FBD10D5653C8}">
   <ds:schemaRefs>
     <ds:schemaRef ds:uri="388971c7-f163-48c6-ac2a-a72ef385c425"/>
@@ -7451,13 +7602,4 @@
     <ds:schemaRef ds:uri="http://www.w3.org/2001/XMLSchema"/>
   </ds:schemaRefs>
 </ds:datastoreItem>
-</file>
-
-<file path=customXml/itemProps3.xml><?xml version="1.0" encoding="utf-8"?>
-<ds:datastoreItem xmlns:ds="http://schemas.openxmlformats.org/officeDocument/2006/customXml" ds:itemID="{A719F20E-3DEB-4654-B7F9-4AAB6F5FC839}">
-  <ds:schemaRefs>
-    <ds:schemaRef ds:uri="http://schemas.microsoft.com/office/2006/metadata/properties"/>
-    <ds:schemaRef ds:uri="http://schemas.microsoft.com/office/infopath/2007/PartnerControls"/>
-  </ds:schemaRefs>
-</ds:datastoreItem>
 </file>
--- a/doc/process/flow chart.pptx
+++ b/doc/process/flow chart.pptx
@@ -1,15 +1,15 @@
 
 <file path=ppt/presentation.xml><?xml version="1.0" encoding="utf-8"?>
-<p:presentation xmlns:a="http://schemas.openxmlformats.org/drawingml/2006/main" xmlns:r="http://schemas.openxmlformats.org/officeDocument/2006/relationships" xmlns:p="http://schemas.openxmlformats.org/presentationml/2006/main" saveSubsetFonts="1">
+<p:presentation xmlns:a="http://schemas.openxmlformats.org/drawingml/2006/main" xmlns:r="http://schemas.openxmlformats.org/officeDocument/2006/relationships" xmlns:p="http://schemas.openxmlformats.org/presentationml/2006/main">
   <p:sldMasterIdLst>
-    <p:sldMasterId id="2147483648" r:id="rId4"/>
+    <p:sldMasterId id="2147483648" r:id="rId1"/>
   </p:sldMasterIdLst>
   <p:sldIdLst>
-    <p:sldId id="256" r:id="rId5"/>
-    <p:sldId id="257" r:id="rId6"/>
-    <p:sldId id="258" r:id="rId7"/>
-    <p:sldId id="259" r:id="rId8"/>
-    <p:sldId id="260" r:id="rId9"/>
+    <p:sldId id="261" r:id="rId3"/>
+    <p:sldId id="257" r:id="rId4"/>
+    <p:sldId id="258" r:id="rId5"/>
+    <p:sldId id="259" r:id="rId6"/>
+    <p:sldId id="260" r:id="rId7"/>
   </p:sldIdLst>
   <p:sldSz cx="12192000" cy="6858000"/>
   <p:notesSz cx="6858000" cy="9144000"/>
@@ -108,32 +108,7 @@
       </a:defRPr>
     </a:lvl9pPr>
   </p:defaultTextStyle>
-  <p:extLst>
-    <p:ext uri="{EFAFB233-063F-42B5-8137-9DF3F51BA10A}">
-      <p15:sldGuideLst xmlns:p15="http://schemas.microsoft.com/office/powerpoint/2012/main"/>
-    </p:ext>
-  </p:extLst>
 </p:presentation>
-</file>
-
-<file path=ppt/authors.xml><?xml version="1.0" encoding="utf-8"?>
-<p188:authorLst xmlns:a="http://schemas.openxmlformats.org/drawingml/2006/main" xmlns:r="http://schemas.openxmlformats.org/officeDocument/2006/relationships" xmlns:p188="http://schemas.microsoft.com/office/powerpoint/2018/8/main">
-  <p188:author id="{1BEAEA9C-5850-90BF-06C0-27967EEDEF27}" name="Yang LIU (student)" initials="Y(" userId="S::2749545l@student.gla.ac.uk::61d507d9-08cc-47d0-9f95-404c502539ea" providerId="AD"/>
-</p188:authorLst>
-</file>
-
-<file path=ppt/revisionInfo.xml><?xml version="1.0" encoding="utf-8"?>
-<p1510:revInfo xmlns:a="http://schemas.openxmlformats.org/drawingml/2006/main" xmlns:r="http://schemas.openxmlformats.org/officeDocument/2006/relationships" xmlns:p1510="http://schemas.microsoft.com/office/powerpoint/2015/10/main">
-  <p1510:revLst>
-    <p1510:client id="{05524E7B-FEE2-437C-8147-13792B53C8CC}" v="77" dt="2023-02-04T18:07:05.838"/>
-    <p1510:client id="{1A7410F9-4C75-4019-A201-D711A85BB58B}" v="525" dt="2023-02-06T23:50:23.027"/>
-    <p1510:client id="{3039F3E3-D254-4E87-9831-84D77B48A0FA}" v="304" dt="2023-01-31T11:51:48.163"/>
-    <p1510:client id="{3A2F7545-953A-402D-979F-EFE75868304B}" v="367" dt="2023-02-04T17:35:31.600"/>
-    <p1510:client id="{71C58234-FCD1-4178-BF7B-8BAF2309C33E}" v="1794" dt="2023-02-04T17:17:18.403"/>
-    <p1510:client id="{733A5B61-8048-4BF3-9BAA-33FD4239536F}" v="43" dt="2023-02-04T18:29:36.243"/>
-    <p1510:client id="{DCF4C695-0B38-4744-B903-FFFF27D16446}" v="28" dt="2023-01-31T11:14:08.160"/>
-  </p1510:revLst>
-</p1510:revInfo>
 </file>
 
 <file path=ppt/slideLayouts/slideLayout1.xml><?xml version="1.0" encoding="utf-8"?>
@@ -181,6 +156,7 @@
               <a:rPr lang="zh-CN" altLang="en-US"/>
               <a:t>单击此处编辑母版标题样式</a:t>
             </a:r>
+            <a:endParaRPr lang="zh-CN" altLang="en-US"/>
           </a:p>
         </p:txBody>
       </p:sp>
@@ -245,6 +221,7 @@
               <a:rPr lang="zh-CN" altLang="en-US"/>
               <a:t>单击此处编辑母版副标题样式</a:t>
             </a:r>
+            <a:endParaRPr lang="zh-CN" altLang="en-US"/>
           </a:p>
         </p:txBody>
       </p:sp>
@@ -265,7 +242,6 @@
           <a:p>
             <a:fld id="{E3D17B11-CCD8-4EEC-AD7E-F410C1454966}" type="datetimeFigureOut">
               <a:rPr lang="zh-CN" altLang="en-US" smtClean="0"/>
-              <a:t>2023/2/14</a:t>
             </a:fld>
             <a:endParaRPr lang="zh-CN" altLang="en-US"/>
           </a:p>
@@ -307,18 +283,12 @@
           <a:p>
             <a:fld id="{079CB688-378F-4534-BFFE-AF122467FDB7}" type="slidenum">
               <a:rPr lang="zh-CN" altLang="en-US" smtClean="0"/>
-              <a:t>‹#›</a:t>
             </a:fld>
             <a:endParaRPr lang="zh-CN" altLang="en-US"/>
           </a:p>
         </p:txBody>
       </p:sp>
     </p:spTree>
-    <p:extLst>
-      <p:ext uri="{BB962C8B-B14F-4D97-AF65-F5344CB8AC3E}">
-        <p14:creationId xmlns:p14="http://schemas.microsoft.com/office/powerpoint/2010/main" val="2805086613"/>
-      </p:ext>
-    </p:extLst>
   </p:cSld>
   <p:clrMapOvr>
     <a:masterClrMapping/>
@@ -362,6 +332,7 @@
               <a:rPr lang="zh-CN" altLang="en-US"/>
               <a:t>单击此处编辑母版标题样式</a:t>
             </a:r>
+            <a:endParaRPr lang="zh-CN" altLang="en-US"/>
           </a:p>
         </p:txBody>
       </p:sp>
@@ -385,6 +356,7 @@
               <a:rPr lang="zh-CN" altLang="en-US"/>
               <a:t>单击此处编辑母版文本样式</a:t>
             </a:r>
+            <a:endParaRPr lang="zh-CN" altLang="en-US"/>
           </a:p>
           <a:p>
             <a:pPr lvl="1"/>
@@ -392,6 +364,7 @@
               <a:rPr lang="zh-CN" altLang="en-US"/>
               <a:t>第二级</a:t>
             </a:r>
+            <a:endParaRPr lang="zh-CN" altLang="en-US"/>
           </a:p>
           <a:p>
             <a:pPr lvl="2"/>
@@ -399,6 +372,7 @@
               <a:rPr lang="zh-CN" altLang="en-US"/>
               <a:t>第三级</a:t>
             </a:r>
+            <a:endParaRPr lang="zh-CN" altLang="en-US"/>
           </a:p>
           <a:p>
             <a:pPr lvl="3"/>
@@ -406,6 +380,7 @@
               <a:rPr lang="zh-CN" altLang="en-US"/>
               <a:t>第四级</a:t>
             </a:r>
+            <a:endParaRPr lang="zh-CN" altLang="en-US"/>
           </a:p>
           <a:p>
             <a:pPr lvl="4"/>
@@ -413,6 +388,7 @@
               <a:rPr lang="zh-CN" altLang="en-US"/>
               <a:t>第五级</a:t>
             </a:r>
+            <a:endParaRPr lang="zh-CN" altLang="en-US"/>
           </a:p>
         </p:txBody>
       </p:sp>
@@ -433,7 +409,6 @@
           <a:p>
             <a:fld id="{E3D17B11-CCD8-4EEC-AD7E-F410C1454966}" type="datetimeFigureOut">
               <a:rPr lang="zh-CN" altLang="en-US" smtClean="0"/>
-              <a:t>2023/2/14</a:t>
             </a:fld>
             <a:endParaRPr lang="zh-CN" altLang="en-US"/>
           </a:p>
@@ -475,18 +450,12 @@
           <a:p>
             <a:fld id="{079CB688-378F-4534-BFFE-AF122467FDB7}" type="slidenum">
               <a:rPr lang="zh-CN" altLang="en-US" smtClean="0"/>
-              <a:t>‹#›</a:t>
             </a:fld>
             <a:endParaRPr lang="zh-CN" altLang="en-US"/>
           </a:p>
         </p:txBody>
       </p:sp>
     </p:spTree>
-    <p:extLst>
-      <p:ext uri="{BB962C8B-B14F-4D97-AF65-F5344CB8AC3E}">
-        <p14:creationId xmlns:p14="http://schemas.microsoft.com/office/powerpoint/2010/main" val="2577302498"/>
-      </p:ext>
-    </p:extLst>
   </p:cSld>
   <p:clrMapOvr>
     <a:masterClrMapping/>
@@ -535,6 +504,7 @@
               <a:rPr lang="zh-CN" altLang="en-US"/>
               <a:t>单击此处编辑母版标题样式</a:t>
             </a:r>
+            <a:endParaRPr lang="zh-CN" altLang="en-US"/>
           </a:p>
         </p:txBody>
       </p:sp>
@@ -563,6 +533,7 @@
               <a:rPr lang="zh-CN" altLang="en-US"/>
               <a:t>单击此处编辑母版文本样式</a:t>
             </a:r>
+            <a:endParaRPr lang="zh-CN" altLang="en-US"/>
           </a:p>
           <a:p>
             <a:pPr lvl="1"/>
@@ -570,6 +541,7 @@
               <a:rPr lang="zh-CN" altLang="en-US"/>
               <a:t>第二级</a:t>
             </a:r>
+            <a:endParaRPr lang="zh-CN" altLang="en-US"/>
           </a:p>
           <a:p>
             <a:pPr lvl="2"/>
@@ -577,6 +549,7 @@
               <a:rPr lang="zh-CN" altLang="en-US"/>
               <a:t>第三级</a:t>
             </a:r>
+            <a:endParaRPr lang="zh-CN" altLang="en-US"/>
           </a:p>
           <a:p>
             <a:pPr lvl="3"/>
@@ -584,6 +557,7 @@
               <a:rPr lang="zh-CN" altLang="en-US"/>
               <a:t>第四级</a:t>
             </a:r>
+            <a:endParaRPr lang="zh-CN" altLang="en-US"/>
           </a:p>
           <a:p>
             <a:pPr lvl="4"/>
@@ -591,6 +565,7 @@
               <a:rPr lang="zh-CN" altLang="en-US"/>
               <a:t>第五级</a:t>
             </a:r>
+            <a:endParaRPr lang="zh-CN" altLang="en-US"/>
           </a:p>
         </p:txBody>
       </p:sp>
@@ -611,7 +586,6 @@
           <a:p>
             <a:fld id="{E3D17B11-CCD8-4EEC-AD7E-F410C1454966}" type="datetimeFigureOut">
               <a:rPr lang="zh-CN" altLang="en-US" smtClean="0"/>
-              <a:t>2023/2/14</a:t>
             </a:fld>
             <a:endParaRPr lang="zh-CN" altLang="en-US"/>
           </a:p>
@@ -653,18 +627,12 @@
           <a:p>
             <a:fld id="{079CB688-378F-4534-BFFE-AF122467FDB7}" type="slidenum">
               <a:rPr lang="zh-CN" altLang="en-US" smtClean="0"/>
-              <a:t>‹#›</a:t>
             </a:fld>
             <a:endParaRPr lang="zh-CN" altLang="en-US"/>
           </a:p>
         </p:txBody>
       </p:sp>
     </p:spTree>
-    <p:extLst>
-      <p:ext uri="{BB962C8B-B14F-4D97-AF65-F5344CB8AC3E}">
-        <p14:creationId xmlns:p14="http://schemas.microsoft.com/office/powerpoint/2010/main" val="72881644"/>
-      </p:ext>
-    </p:extLst>
   </p:cSld>
   <p:clrMapOvr>
     <a:masterClrMapping/>
@@ -708,6 +676,7 @@
               <a:rPr lang="zh-CN" altLang="en-US"/>
               <a:t>单击此处编辑母版标题样式</a:t>
             </a:r>
+            <a:endParaRPr lang="zh-CN" altLang="en-US"/>
           </a:p>
         </p:txBody>
       </p:sp>
@@ -731,6 +700,7 @@
               <a:rPr lang="zh-CN" altLang="en-US"/>
               <a:t>单击此处编辑母版文本样式</a:t>
             </a:r>
+            <a:endParaRPr lang="zh-CN" altLang="en-US"/>
           </a:p>
           <a:p>
             <a:pPr lvl="1"/>
@@ -738,6 +708,7 @@
               <a:rPr lang="zh-CN" altLang="en-US"/>
               <a:t>第二级</a:t>
             </a:r>
+            <a:endParaRPr lang="zh-CN" altLang="en-US"/>
           </a:p>
           <a:p>
             <a:pPr lvl="2"/>
@@ -745,6 +716,7 @@
               <a:rPr lang="zh-CN" altLang="en-US"/>
               <a:t>第三级</a:t>
             </a:r>
+            <a:endParaRPr lang="zh-CN" altLang="en-US"/>
           </a:p>
           <a:p>
             <a:pPr lvl="3"/>
@@ -752,6 +724,7 @@
               <a:rPr lang="zh-CN" altLang="en-US"/>
               <a:t>第四级</a:t>
             </a:r>
+            <a:endParaRPr lang="zh-CN" altLang="en-US"/>
           </a:p>
           <a:p>
             <a:pPr lvl="4"/>
@@ -759,6 +732,7 @@
               <a:rPr lang="zh-CN" altLang="en-US"/>
               <a:t>第五级</a:t>
             </a:r>
+            <a:endParaRPr lang="zh-CN" altLang="en-US"/>
           </a:p>
         </p:txBody>
       </p:sp>
@@ -779,7 +753,6 @@
           <a:p>
             <a:fld id="{E3D17B11-CCD8-4EEC-AD7E-F410C1454966}" type="datetimeFigureOut">
               <a:rPr lang="zh-CN" altLang="en-US" smtClean="0"/>
-              <a:t>2023/2/14</a:t>
             </a:fld>
             <a:endParaRPr lang="zh-CN" altLang="en-US"/>
           </a:p>
@@ -821,18 +794,12 @@
           <a:p>
             <a:fld id="{079CB688-378F-4534-BFFE-AF122467FDB7}" type="slidenum">
               <a:rPr lang="zh-CN" altLang="en-US" smtClean="0"/>
-              <a:t>‹#›</a:t>
             </a:fld>
             <a:endParaRPr lang="zh-CN" altLang="en-US"/>
           </a:p>
         </p:txBody>
       </p:sp>
     </p:spTree>
-    <p:extLst>
-      <p:ext uri="{BB962C8B-B14F-4D97-AF65-F5344CB8AC3E}">
-        <p14:creationId xmlns:p14="http://schemas.microsoft.com/office/powerpoint/2010/main" val="2074015890"/>
-      </p:ext>
-    </p:extLst>
   </p:cSld>
   <p:clrMapOvr>
     <a:masterClrMapping/>
@@ -885,6 +852,7 @@
               <a:rPr lang="zh-CN" altLang="en-US"/>
               <a:t>单击此处编辑母版标题样式</a:t>
             </a:r>
+            <a:endParaRPr lang="zh-CN" altLang="en-US"/>
           </a:p>
         </p:txBody>
       </p:sp>
@@ -1004,6 +972,7 @@
               <a:rPr lang="zh-CN" altLang="en-US"/>
               <a:t>单击此处编辑母版文本样式</a:t>
             </a:r>
+            <a:endParaRPr lang="zh-CN" altLang="en-US"/>
           </a:p>
         </p:txBody>
       </p:sp>
@@ -1024,7 +993,6 @@
           <a:p>
             <a:fld id="{E3D17B11-CCD8-4EEC-AD7E-F410C1454966}" type="datetimeFigureOut">
               <a:rPr lang="zh-CN" altLang="en-US" smtClean="0"/>
-              <a:t>2023/2/14</a:t>
             </a:fld>
             <a:endParaRPr lang="zh-CN" altLang="en-US"/>
           </a:p>
@@ -1066,18 +1034,12 @@
           <a:p>
             <a:fld id="{079CB688-378F-4534-BFFE-AF122467FDB7}" type="slidenum">
               <a:rPr lang="zh-CN" altLang="en-US" smtClean="0"/>
-              <a:t>‹#›</a:t>
             </a:fld>
             <a:endParaRPr lang="zh-CN" altLang="en-US"/>
           </a:p>
         </p:txBody>
       </p:sp>
     </p:spTree>
-    <p:extLst>
-      <p:ext uri="{BB962C8B-B14F-4D97-AF65-F5344CB8AC3E}">
-        <p14:creationId xmlns:p14="http://schemas.microsoft.com/office/powerpoint/2010/main" val="3407052612"/>
-      </p:ext>
-    </p:extLst>
   </p:cSld>
   <p:clrMapOvr>
     <a:masterClrMapping/>
@@ -1121,6 +1083,7 @@
               <a:rPr lang="zh-CN" altLang="en-US"/>
               <a:t>单击此处编辑母版标题样式</a:t>
             </a:r>
+            <a:endParaRPr lang="zh-CN" altLang="en-US"/>
           </a:p>
         </p:txBody>
       </p:sp>
@@ -1149,6 +1112,7 @@
               <a:rPr lang="zh-CN" altLang="en-US"/>
               <a:t>单击此处编辑母版文本样式</a:t>
             </a:r>
+            <a:endParaRPr lang="zh-CN" altLang="en-US"/>
           </a:p>
           <a:p>
             <a:pPr lvl="1"/>
@@ -1156,6 +1120,7 @@
               <a:rPr lang="zh-CN" altLang="en-US"/>
               <a:t>第二级</a:t>
             </a:r>
+            <a:endParaRPr lang="zh-CN" altLang="en-US"/>
           </a:p>
           <a:p>
             <a:pPr lvl="2"/>
@@ -1163,6 +1128,7 @@
               <a:rPr lang="zh-CN" altLang="en-US"/>
               <a:t>第三级</a:t>
             </a:r>
+            <a:endParaRPr lang="zh-CN" altLang="en-US"/>
           </a:p>
           <a:p>
             <a:pPr lvl="3"/>
@@ -1170,6 +1136,7 @@
               <a:rPr lang="zh-CN" altLang="en-US"/>
               <a:t>第四级</a:t>
             </a:r>
+            <a:endParaRPr lang="zh-CN" altLang="en-US"/>
           </a:p>
           <a:p>
             <a:pPr lvl="4"/>
@@ -1177,6 +1144,7 @@
               <a:rPr lang="zh-CN" altLang="en-US"/>
               <a:t>第五级</a:t>
             </a:r>
+            <a:endParaRPr lang="zh-CN" altLang="en-US"/>
           </a:p>
         </p:txBody>
       </p:sp>
@@ -1205,6 +1173,7 @@
               <a:rPr lang="zh-CN" altLang="en-US"/>
               <a:t>单击此处编辑母版文本样式</a:t>
             </a:r>
+            <a:endParaRPr lang="zh-CN" altLang="en-US"/>
           </a:p>
           <a:p>
             <a:pPr lvl="1"/>
@@ -1212,6 +1181,7 @@
               <a:rPr lang="zh-CN" altLang="en-US"/>
               <a:t>第二级</a:t>
             </a:r>
+            <a:endParaRPr lang="zh-CN" altLang="en-US"/>
           </a:p>
           <a:p>
             <a:pPr lvl="2"/>
@@ -1219,6 +1189,7 @@
               <a:rPr lang="zh-CN" altLang="en-US"/>
               <a:t>第三级</a:t>
             </a:r>
+            <a:endParaRPr lang="zh-CN" altLang="en-US"/>
           </a:p>
           <a:p>
             <a:pPr lvl="3"/>
@@ -1226,6 +1197,7 @@
               <a:rPr lang="zh-CN" altLang="en-US"/>
               <a:t>第四级</a:t>
             </a:r>
+            <a:endParaRPr lang="zh-CN" altLang="en-US"/>
           </a:p>
           <a:p>
             <a:pPr lvl="4"/>
@@ -1233,6 +1205,7 @@
               <a:rPr lang="zh-CN" altLang="en-US"/>
               <a:t>第五级</a:t>
             </a:r>
+            <a:endParaRPr lang="zh-CN" altLang="en-US"/>
           </a:p>
         </p:txBody>
       </p:sp>
@@ -1253,7 +1226,6 @@
           <a:p>
             <a:fld id="{E3D17B11-CCD8-4EEC-AD7E-F410C1454966}" type="datetimeFigureOut">
               <a:rPr lang="zh-CN" altLang="en-US" smtClean="0"/>
-              <a:t>2023/2/14</a:t>
             </a:fld>
             <a:endParaRPr lang="zh-CN" altLang="en-US"/>
           </a:p>
@@ -1295,18 +1267,12 @@
           <a:p>
             <a:fld id="{079CB688-378F-4534-BFFE-AF122467FDB7}" type="slidenum">
               <a:rPr lang="zh-CN" altLang="en-US" smtClean="0"/>
-              <a:t>‹#›</a:t>
             </a:fld>
             <a:endParaRPr lang="zh-CN" altLang="en-US"/>
           </a:p>
         </p:txBody>
       </p:sp>
     </p:spTree>
-    <p:extLst>
-      <p:ext uri="{BB962C8B-B14F-4D97-AF65-F5344CB8AC3E}">
-        <p14:creationId xmlns:p14="http://schemas.microsoft.com/office/powerpoint/2010/main" val="188702279"/>
-      </p:ext>
-    </p:extLst>
   </p:cSld>
   <p:clrMapOvr>
     <a:masterClrMapping/>
@@ -1355,6 +1321,7 @@
               <a:rPr lang="zh-CN" altLang="en-US"/>
               <a:t>单击此处编辑母版标题样式</a:t>
             </a:r>
+            <a:endParaRPr lang="zh-CN" altLang="en-US"/>
           </a:p>
         </p:txBody>
       </p:sp>
@@ -1420,6 +1387,7 @@
               <a:rPr lang="zh-CN" altLang="en-US"/>
               <a:t>单击此处编辑母版文本样式</a:t>
             </a:r>
+            <a:endParaRPr lang="zh-CN" altLang="en-US"/>
           </a:p>
         </p:txBody>
       </p:sp>
@@ -1448,6 +1416,7 @@
               <a:rPr lang="zh-CN" altLang="en-US"/>
               <a:t>单击此处编辑母版文本样式</a:t>
             </a:r>
+            <a:endParaRPr lang="zh-CN" altLang="en-US"/>
           </a:p>
           <a:p>
             <a:pPr lvl="1"/>
@@ -1455,6 +1424,7 @@
               <a:rPr lang="zh-CN" altLang="en-US"/>
               <a:t>第二级</a:t>
             </a:r>
+            <a:endParaRPr lang="zh-CN" altLang="en-US"/>
           </a:p>
           <a:p>
             <a:pPr lvl="2"/>
@@ -1462,6 +1432,7 @@
               <a:rPr lang="zh-CN" altLang="en-US"/>
               <a:t>第三级</a:t>
             </a:r>
+            <a:endParaRPr lang="zh-CN" altLang="en-US"/>
           </a:p>
           <a:p>
             <a:pPr lvl="3"/>
@@ -1469,6 +1440,7 @@
               <a:rPr lang="zh-CN" altLang="en-US"/>
               <a:t>第四级</a:t>
             </a:r>
+            <a:endParaRPr lang="zh-CN" altLang="en-US"/>
           </a:p>
           <a:p>
             <a:pPr lvl="4"/>
@@ -1476,6 +1448,7 @@
               <a:rPr lang="zh-CN" altLang="en-US"/>
               <a:t>第五级</a:t>
             </a:r>
+            <a:endParaRPr lang="zh-CN" altLang="en-US"/>
           </a:p>
         </p:txBody>
       </p:sp>
@@ -1541,6 +1514,7 @@
               <a:rPr lang="zh-CN" altLang="en-US"/>
               <a:t>单击此处编辑母版文本样式</a:t>
             </a:r>
+            <a:endParaRPr lang="zh-CN" altLang="en-US"/>
           </a:p>
         </p:txBody>
       </p:sp>
@@ -1569,6 +1543,7 @@
               <a:rPr lang="zh-CN" altLang="en-US"/>
               <a:t>单击此处编辑母版文本样式</a:t>
             </a:r>
+            <a:endParaRPr lang="zh-CN" altLang="en-US"/>
           </a:p>
           <a:p>
             <a:pPr lvl="1"/>
@@ -1576,6 +1551,7 @@
               <a:rPr lang="zh-CN" altLang="en-US"/>
               <a:t>第二级</a:t>
             </a:r>
+            <a:endParaRPr lang="zh-CN" altLang="en-US"/>
           </a:p>
           <a:p>
             <a:pPr lvl="2"/>
@@ -1583,6 +1559,7 @@
               <a:rPr lang="zh-CN" altLang="en-US"/>
               <a:t>第三级</a:t>
             </a:r>
+            <a:endParaRPr lang="zh-CN" altLang="en-US"/>
           </a:p>
           <a:p>
             <a:pPr lvl="3"/>
@@ -1590,6 +1567,7 @@
               <a:rPr lang="zh-CN" altLang="en-US"/>
               <a:t>第四级</a:t>
             </a:r>
+            <a:endParaRPr lang="zh-CN" altLang="en-US"/>
           </a:p>
           <a:p>
             <a:pPr lvl="4"/>
@@ -1597,6 +1575,7 @@
               <a:rPr lang="zh-CN" altLang="en-US"/>
               <a:t>第五级</a:t>
             </a:r>
+            <a:endParaRPr lang="zh-CN" altLang="en-US"/>
           </a:p>
         </p:txBody>
       </p:sp>
@@ -1617,7 +1596,6 @@
           <a:p>
             <a:fld id="{E3D17B11-CCD8-4EEC-AD7E-F410C1454966}" type="datetimeFigureOut">
               <a:rPr lang="zh-CN" altLang="en-US" smtClean="0"/>
-              <a:t>2023/2/14</a:t>
             </a:fld>
             <a:endParaRPr lang="zh-CN" altLang="en-US"/>
           </a:p>
@@ -1659,18 +1637,12 @@
           <a:p>
             <a:fld id="{079CB688-378F-4534-BFFE-AF122467FDB7}" type="slidenum">
               <a:rPr lang="zh-CN" altLang="en-US" smtClean="0"/>
-              <a:t>‹#›</a:t>
             </a:fld>
             <a:endParaRPr lang="zh-CN" altLang="en-US"/>
           </a:p>
         </p:txBody>
       </p:sp>
     </p:spTree>
-    <p:extLst>
-      <p:ext uri="{BB962C8B-B14F-4D97-AF65-F5344CB8AC3E}">
-        <p14:creationId xmlns:p14="http://schemas.microsoft.com/office/powerpoint/2010/main" val="4068082727"/>
-      </p:ext>
-    </p:extLst>
   </p:cSld>
   <p:clrMapOvr>
     <a:masterClrMapping/>
@@ -1714,6 +1686,7 @@
               <a:rPr lang="zh-CN" altLang="en-US"/>
               <a:t>单击此处编辑母版标题样式</a:t>
             </a:r>
+            <a:endParaRPr lang="zh-CN" altLang="en-US"/>
           </a:p>
         </p:txBody>
       </p:sp>
@@ -1734,7 +1707,6 @@
           <a:p>
             <a:fld id="{E3D17B11-CCD8-4EEC-AD7E-F410C1454966}" type="datetimeFigureOut">
               <a:rPr lang="zh-CN" altLang="en-US" smtClean="0"/>
-              <a:t>2023/2/14</a:t>
             </a:fld>
             <a:endParaRPr lang="zh-CN" altLang="en-US"/>
           </a:p>
@@ -1776,18 +1748,12 @@
           <a:p>
             <a:fld id="{079CB688-378F-4534-BFFE-AF122467FDB7}" type="slidenum">
               <a:rPr lang="zh-CN" altLang="en-US" smtClean="0"/>
-              <a:t>‹#›</a:t>
             </a:fld>
             <a:endParaRPr lang="zh-CN" altLang="en-US"/>
           </a:p>
         </p:txBody>
       </p:sp>
     </p:spTree>
-    <p:extLst>
-      <p:ext uri="{BB962C8B-B14F-4D97-AF65-F5344CB8AC3E}">
-        <p14:creationId xmlns:p14="http://schemas.microsoft.com/office/powerpoint/2010/main" val="4187196136"/>
-      </p:ext>
-    </p:extLst>
   </p:cSld>
   <p:clrMapOvr>
     <a:masterClrMapping/>
@@ -1829,7 +1795,6 @@
           <a:p>
             <a:fld id="{E3D17B11-CCD8-4EEC-AD7E-F410C1454966}" type="datetimeFigureOut">
               <a:rPr lang="zh-CN" altLang="en-US" smtClean="0"/>
-              <a:t>2023/2/14</a:t>
             </a:fld>
             <a:endParaRPr lang="zh-CN" altLang="en-US"/>
           </a:p>
@@ -1871,18 +1836,12 @@
           <a:p>
             <a:fld id="{079CB688-378F-4534-BFFE-AF122467FDB7}" type="slidenum">
               <a:rPr lang="zh-CN" altLang="en-US" smtClean="0"/>
-              <a:t>‹#›</a:t>
             </a:fld>
             <a:endParaRPr lang="zh-CN" altLang="en-US"/>
           </a:p>
         </p:txBody>
       </p:sp>
     </p:spTree>
-    <p:extLst>
-      <p:ext uri="{BB962C8B-B14F-4D97-AF65-F5344CB8AC3E}">
-        <p14:creationId xmlns:p14="http://schemas.microsoft.com/office/powerpoint/2010/main" val="1200569556"/>
-      </p:ext>
-    </p:extLst>
   </p:cSld>
   <p:clrMapOvr>
     <a:masterClrMapping/>
@@ -1935,6 +1894,7 @@
               <a:rPr lang="zh-CN" altLang="en-US"/>
               <a:t>单击此处编辑母版标题样式</a:t>
             </a:r>
+            <a:endParaRPr lang="zh-CN" altLang="en-US"/>
           </a:p>
         </p:txBody>
       </p:sp>
@@ -1991,6 +1951,7 @@
               <a:rPr lang="zh-CN" altLang="en-US"/>
               <a:t>单击此处编辑母版文本样式</a:t>
             </a:r>
+            <a:endParaRPr lang="zh-CN" altLang="en-US"/>
           </a:p>
           <a:p>
             <a:pPr lvl="1"/>
@@ -1998,6 +1959,7 @@
               <a:rPr lang="zh-CN" altLang="en-US"/>
               <a:t>第二级</a:t>
             </a:r>
+            <a:endParaRPr lang="zh-CN" altLang="en-US"/>
           </a:p>
           <a:p>
             <a:pPr lvl="2"/>
@@ -2005,6 +1967,7 @@
               <a:rPr lang="zh-CN" altLang="en-US"/>
               <a:t>第三级</a:t>
             </a:r>
+            <a:endParaRPr lang="zh-CN" altLang="en-US"/>
           </a:p>
           <a:p>
             <a:pPr lvl="3"/>
@@ -2012,6 +1975,7 @@
               <a:rPr lang="zh-CN" altLang="en-US"/>
               <a:t>第四级</a:t>
             </a:r>
+            <a:endParaRPr lang="zh-CN" altLang="en-US"/>
           </a:p>
           <a:p>
             <a:pPr lvl="4"/>
@@ -2019,6 +1983,7 @@
               <a:rPr lang="zh-CN" altLang="en-US"/>
               <a:t>第五级</a:t>
             </a:r>
+            <a:endParaRPr lang="zh-CN" altLang="en-US"/>
           </a:p>
         </p:txBody>
       </p:sp>
@@ -2084,6 +2049,7 @@
               <a:rPr lang="zh-CN" altLang="en-US"/>
               <a:t>单击此处编辑母版文本样式</a:t>
             </a:r>
+            <a:endParaRPr lang="zh-CN" altLang="en-US"/>
           </a:p>
         </p:txBody>
       </p:sp>
@@ -2104,7 +2070,6 @@
           <a:p>
             <a:fld id="{E3D17B11-CCD8-4EEC-AD7E-F410C1454966}" type="datetimeFigureOut">
               <a:rPr lang="zh-CN" altLang="en-US" smtClean="0"/>
-              <a:t>2023/2/14</a:t>
             </a:fld>
             <a:endParaRPr lang="zh-CN" altLang="en-US"/>
           </a:p>
@@ -2146,18 +2111,12 @@
           <a:p>
             <a:fld id="{079CB688-378F-4534-BFFE-AF122467FDB7}" type="slidenum">
               <a:rPr lang="zh-CN" altLang="en-US" smtClean="0"/>
-              <a:t>‹#›</a:t>
             </a:fld>
             <a:endParaRPr lang="zh-CN" altLang="en-US"/>
           </a:p>
         </p:txBody>
       </p:sp>
     </p:spTree>
-    <p:extLst>
-      <p:ext uri="{BB962C8B-B14F-4D97-AF65-F5344CB8AC3E}">
-        <p14:creationId xmlns:p14="http://schemas.microsoft.com/office/powerpoint/2010/main" val="3153261149"/>
-      </p:ext>
-    </p:extLst>
   </p:cSld>
   <p:clrMapOvr>
     <a:masterClrMapping/>
@@ -2210,6 +2169,7 @@
               <a:rPr lang="zh-CN" altLang="en-US"/>
               <a:t>单击此处编辑母版标题样式</a:t>
             </a:r>
+            <a:endParaRPr lang="zh-CN" altLang="en-US"/>
           </a:p>
         </p:txBody>
       </p:sp>
@@ -2336,6 +2296,7 @@
               <a:rPr lang="zh-CN" altLang="en-US"/>
               <a:t>单击此处编辑母版文本样式</a:t>
             </a:r>
+            <a:endParaRPr lang="zh-CN" altLang="en-US"/>
           </a:p>
         </p:txBody>
       </p:sp>
@@ -2356,7 +2317,6 @@
           <a:p>
             <a:fld id="{E3D17B11-CCD8-4EEC-AD7E-F410C1454966}" type="datetimeFigureOut">
               <a:rPr lang="zh-CN" altLang="en-US" smtClean="0"/>
-              <a:t>2023/2/14</a:t>
             </a:fld>
             <a:endParaRPr lang="zh-CN" altLang="en-US"/>
           </a:p>
@@ -2398,18 +2358,12 @@
           <a:p>
             <a:fld id="{079CB688-378F-4534-BFFE-AF122467FDB7}" type="slidenum">
               <a:rPr lang="zh-CN" altLang="en-US" smtClean="0"/>
-              <a:t>‹#›</a:t>
             </a:fld>
             <a:endParaRPr lang="zh-CN" altLang="en-US"/>
           </a:p>
         </p:txBody>
       </p:sp>
     </p:spTree>
-    <p:extLst>
-      <p:ext uri="{BB962C8B-B14F-4D97-AF65-F5344CB8AC3E}">
-        <p14:creationId xmlns:p14="http://schemas.microsoft.com/office/powerpoint/2010/main" val="2390041774"/>
-      </p:ext>
-    </p:extLst>
   </p:cSld>
   <p:clrMapOvr>
     <a:masterClrMapping/>
@@ -2468,6 +2422,7 @@
               <a:rPr lang="zh-CN" altLang="en-US"/>
               <a:t>单击此处编辑母版标题样式</a:t>
             </a:r>
+            <a:endParaRPr lang="zh-CN" altLang="en-US"/>
           </a:p>
         </p:txBody>
       </p:sp>
@@ -2501,6 +2456,7 @@
               <a:rPr lang="zh-CN" altLang="en-US"/>
               <a:t>单击此处编辑母版文本样式</a:t>
             </a:r>
+            <a:endParaRPr lang="zh-CN" altLang="en-US"/>
           </a:p>
           <a:p>
             <a:pPr lvl="1"/>
@@ -2508,6 +2464,7 @@
               <a:rPr lang="zh-CN" altLang="en-US"/>
               <a:t>第二级</a:t>
             </a:r>
+            <a:endParaRPr lang="zh-CN" altLang="en-US"/>
           </a:p>
           <a:p>
             <a:pPr lvl="2"/>
@@ -2515,6 +2472,7 @@
               <a:rPr lang="zh-CN" altLang="en-US"/>
               <a:t>第三级</a:t>
             </a:r>
+            <a:endParaRPr lang="zh-CN" altLang="en-US"/>
           </a:p>
           <a:p>
             <a:pPr lvl="3"/>
@@ -2522,6 +2480,7 @@
               <a:rPr lang="zh-CN" altLang="en-US"/>
               <a:t>第四级</a:t>
             </a:r>
+            <a:endParaRPr lang="zh-CN" altLang="en-US"/>
           </a:p>
           <a:p>
             <a:pPr lvl="4"/>
@@ -2529,6 +2488,7 @@
               <a:rPr lang="zh-CN" altLang="en-US"/>
               <a:t>第五级</a:t>
             </a:r>
+            <a:endParaRPr lang="zh-CN" altLang="en-US"/>
           </a:p>
         </p:txBody>
       </p:sp>
@@ -2567,7 +2527,6 @@
           <a:p>
             <a:fld id="{E3D17B11-CCD8-4EEC-AD7E-F410C1454966}" type="datetimeFigureOut">
               <a:rPr lang="zh-CN" altLang="en-US" smtClean="0"/>
-              <a:t>2023/2/14</a:t>
             </a:fld>
             <a:endParaRPr lang="zh-CN" altLang="en-US"/>
           </a:p>
@@ -2645,18 +2604,12 @@
           <a:p>
             <a:fld id="{079CB688-378F-4534-BFFE-AF122467FDB7}" type="slidenum">
               <a:rPr lang="zh-CN" altLang="en-US" smtClean="0"/>
-              <a:t>‹#›</a:t>
             </a:fld>
             <a:endParaRPr lang="zh-CN" altLang="en-US"/>
           </a:p>
         </p:txBody>
       </p:sp>
     </p:spTree>
-    <p:extLst>
-      <p:ext uri="{BB962C8B-B14F-4D97-AF65-F5344CB8AC3E}">
-        <p14:creationId xmlns:p14="http://schemas.microsoft.com/office/powerpoint/2010/main" val="2563146177"/>
-      </p:ext>
-    </p:extLst>
   </p:cSld>
   <p:clrMap bg1="lt1" tx1="dk1" bg2="lt2" tx2="dk2" accent1="accent1" accent2="accent2" accent3="accent3" accent4="accent4" accent5="accent5" accent6="accent6" hlink="hlink" folHlink="folHlink"/>
   <p:sldLayoutIdLst>
@@ -2964,96 +2917,624 @@
         <p:cNvGrpSpPr/>
         <p:nvPr/>
       </p:nvGrpSpPr>
-      <p:grpSpPr>
-        <a:xfrm>
-          <a:off x="0" y="0"/>
-          <a:ext cx="0" cy="0"/>
-          <a:chOff x="0" y="0"/>
-          <a:chExt cx="0" cy="0"/>
-        </a:xfrm>
-      </p:grpSpPr>
-      <p:sp>
-        <p:nvSpPr>
-          <p:cNvPr id="5" name="文本框 4">
-            <a:extLst>
-              <a:ext uri="{FF2B5EF4-FFF2-40B4-BE49-F238E27FC236}">
-                <a16:creationId xmlns:a16="http://schemas.microsoft.com/office/drawing/2014/main" id="{6C0DE98C-DE5F-5BF2-174A-8D40AB824624}"/>
-              </a:ext>
-            </a:extLst>
-          </p:cNvPr>
-          <p:cNvSpPr txBox="1"/>
+      <p:grpSpPr/>
+      <p:grpSp>
+        <p:nvGrpSpPr>
+          <p:cNvPr id="22" name="组合 21"/>
+          <p:cNvGrpSpPr/>
           <p:nvPr/>
-        </p:nvSpPr>
-        <p:spPr>
+        </p:nvGrpSpPr>
+        <p:grpSpPr>
           <a:xfrm>
-            <a:off x="1135069" y="501372"/>
-            <a:ext cx="2743199" cy="369332"/>
+            <a:off x="1133475" y="1390650"/>
+            <a:ext cx="5682615" cy="2571115"/>
+            <a:chOff x="1737" y="1903"/>
+            <a:chExt cx="8949" cy="4049"/>
           </a:xfrm>
-          <a:prstGeom prst="rect">
-            <a:avLst/>
-          </a:prstGeom>
-          <a:noFill/>
-        </p:spPr>
-        <p:txBody>
-          <a:bodyPr rot="0" spcFirstLastPara="0" vertOverflow="overflow" horzOverflow="overflow" vert="horz" wrap="square" lIns="91440" tIns="45720" rIns="91440" bIns="45720" numCol="1" spcCol="0" rtlCol="0" fromWordArt="0" anchor="t" anchorCtr="0" forceAA="0" compatLnSpc="1">
-            <a:prstTxWarp prst="textNoShape">
+        </p:grpSpPr>
+        <p:sp>
+          <p:nvSpPr>
+            <p:cNvPr id="4" name="TextBox 9"/>
+            <p:cNvSpPr txBox="1"/>
+            <p:nvPr/>
+          </p:nvSpPr>
+          <p:spPr>
+            <a:xfrm>
+              <a:off x="1737" y="1903"/>
+              <a:ext cx="8949" cy="4049"/>
+            </a:xfrm>
+            <a:prstGeom prst="rect">
               <a:avLst/>
-            </a:prstTxWarp>
-            <a:spAutoFit/>
-          </a:bodyPr>
-          <a:lstStyle/>
-          <a:p>
-            <a:pPr algn="l"/>
-            <a:r>
-              <a:rPr lang="zh-CN" altLang="en-US">
-                <a:ea typeface="宋体"/>
-                <a:cs typeface="Calibri"/>
-              </a:rPr>
-              <a:t>Yang</a:t>
-            </a:r>
-            <a:endParaRPr lang="zh-CN" altLang="en-US"/>
-          </a:p>
-        </p:txBody>
-      </p:sp>
-      <p:pic>
-        <p:nvPicPr>
-          <p:cNvPr id="2" name="Picture 2" descr="Graphical user interface, text, application, chat or text message&#10;&#10;Description automatically generated">
-            <a:extLst>
-              <a:ext uri="{FF2B5EF4-FFF2-40B4-BE49-F238E27FC236}">
-                <a16:creationId xmlns:a16="http://schemas.microsoft.com/office/drawing/2014/main" id="{FF528422-8E7F-F5F6-C8CE-870FBDA69C3B}"/>
-              </a:ext>
-            </a:extLst>
-          </p:cNvPr>
-          <p:cNvPicPr>
-            <a:picLocks noChangeAspect="1"/>
-          </p:cNvPicPr>
-          <p:nvPr/>
-        </p:nvPicPr>
-        <p:blipFill>
-          <a:blip r:embed="rId2"/>
-          <a:stretch>
-            <a:fillRect/>
-          </a:stretch>
-        </p:blipFill>
-        <p:spPr>
-          <a:xfrm>
-            <a:off x="1133365" y="1531179"/>
-            <a:ext cx="10223062" cy="2902261"/>
-          </a:xfrm>
-          <a:prstGeom prst="rect">
-            <a:avLst/>
-          </a:prstGeom>
-        </p:spPr>
-      </p:pic>
-      <p:sp>
-        <p:nvSpPr>
-          <p:cNvPr id="7" name="Title 6">
-            <a:extLst>
-              <a:ext uri="{FF2B5EF4-FFF2-40B4-BE49-F238E27FC236}">
-                <a16:creationId xmlns:a16="http://schemas.microsoft.com/office/drawing/2014/main" id="{9BECBBC7-A351-C53F-2311-61E9A24F733B}"/>
-              </a:ext>
-            </a:extLst>
-          </p:cNvPr>
+            </a:prstGeom>
+            <a:solidFill>
+              <a:srgbClr val="CCECFF">
+                <a:alpha val="70000"/>
+              </a:srgbClr>
+            </a:solidFill>
+            <a:ln>
+              <a:solidFill>
+                <a:schemeClr val="tx1"/>
+              </a:solidFill>
+            </a:ln>
+          </p:spPr>
+          <p:txBody>
+            <a:bodyPr vert="horz" wrap="square" lIns="0" tIns="0" rIns="130020" bIns="0" rtlCol="0" anchor="ctr" anchorCtr="0">
+              <a:noAutofit/>
+            </a:bodyPr>
+            <a:p>
+              <a:pPr defTabSz="1086485">
+                <a:defRPr/>
+              </a:pPr>
+              <a:endParaRPr lang="en-US" altLang="zh-CN" sz="1400" b="1" dirty="0">
+                <a:solidFill>
+                  <a:srgbClr val="000000"/>
+                </a:solidFill>
+                <a:latin typeface="Arial" panose="020B0604020202020204"/>
+                <a:ea typeface="微软雅黑" charset="-122"/>
+              </a:endParaRPr>
+            </a:p>
+          </p:txBody>
+        </p:sp>
+        <p:sp>
+          <p:nvSpPr>
+            <p:cNvPr id="5" name="Rectangle: Rounded Corners 12"/>
+            <p:cNvSpPr/>
+            <p:nvPr/>
+          </p:nvSpPr>
+          <p:spPr>
+            <a:xfrm>
+              <a:off x="4233" y="2292"/>
+              <a:ext cx="2604" cy="635"/>
+            </a:xfrm>
+            <a:prstGeom prst="roundRect">
+              <a:avLst/>
+            </a:prstGeom>
+            <a:solidFill>
+              <a:schemeClr val="bg1"/>
+            </a:solidFill>
+            <a:ln>
+              <a:solidFill>
+                <a:schemeClr val="bg1">
+                  <a:lumMod val="65000"/>
+                </a:schemeClr>
+              </a:solidFill>
+            </a:ln>
+          </p:spPr>
+          <p:style>
+            <a:lnRef idx="2">
+              <a:schemeClr val="accent1">
+                <a:shade val="50000"/>
+              </a:schemeClr>
+            </a:lnRef>
+            <a:fillRef idx="1">
+              <a:schemeClr val="accent1"/>
+            </a:fillRef>
+            <a:effectRef idx="0">
+              <a:schemeClr val="accent1"/>
+            </a:effectRef>
+            <a:fontRef idx="minor">
+              <a:schemeClr val="lt1"/>
+            </a:fontRef>
+          </p:style>
+          <p:txBody>
+            <a:bodyPr rtlCol="0" anchor="t" anchorCtr="1"/>
+            <a:p>
+              <a:pPr algn="ctr" defTabSz="1086485">
+                <a:lnSpc>
+                  <a:spcPct val="110000"/>
+                </a:lnSpc>
+                <a:defRPr/>
+              </a:pPr>
+              <a:r>
+                <a:rPr lang="en-US" altLang="zh-CN" sz="1600" dirty="0">
+                  <a:solidFill>
+                    <a:srgbClr val="000000"/>
+                  </a:solidFill>
+                  <a:latin typeface="微软雅黑" charset="-122"/>
+                  <a:ea typeface="微软雅黑" charset="-122"/>
+                </a:rPr>
+                <a:t>Qt widget</a:t>
+              </a:r>
+              <a:endParaRPr lang="en-US" altLang="zh-CN" sz="1600" dirty="0">
+                <a:solidFill>
+                  <a:srgbClr val="000000"/>
+                </a:solidFill>
+                <a:latin typeface="微软雅黑" charset="-122"/>
+                <a:ea typeface="微软雅黑" charset="-122"/>
+              </a:endParaRPr>
+            </a:p>
+          </p:txBody>
+        </p:sp>
+        <p:sp>
+          <p:nvSpPr>
+            <p:cNvPr id="10" name="Rectangle: Rounded Corners 12"/>
+            <p:cNvSpPr/>
+            <p:nvPr/>
+          </p:nvSpPr>
+          <p:spPr>
+            <a:xfrm>
+              <a:off x="4277" y="3609"/>
+              <a:ext cx="2604" cy="636"/>
+            </a:xfrm>
+            <a:prstGeom prst="roundRect">
+              <a:avLst/>
+            </a:prstGeom>
+            <a:solidFill>
+              <a:schemeClr val="bg1"/>
+            </a:solidFill>
+            <a:ln>
+              <a:solidFill>
+                <a:schemeClr val="bg1">
+                  <a:lumMod val="65000"/>
+                </a:schemeClr>
+              </a:solidFill>
+            </a:ln>
+          </p:spPr>
+          <p:style>
+            <a:lnRef idx="2">
+              <a:schemeClr val="accent1">
+                <a:shade val="50000"/>
+              </a:schemeClr>
+            </a:lnRef>
+            <a:fillRef idx="1">
+              <a:schemeClr val="accent1"/>
+            </a:fillRef>
+            <a:effectRef idx="0">
+              <a:schemeClr val="accent1"/>
+            </a:effectRef>
+            <a:fontRef idx="minor">
+              <a:schemeClr val="lt1"/>
+            </a:fontRef>
+          </p:style>
+          <p:txBody>
+            <a:bodyPr rtlCol="0" anchor="t" anchorCtr="1"/>
+            <a:p>
+              <a:pPr algn="ctr" defTabSz="1086485">
+                <a:defRPr/>
+              </a:pPr>
+              <a:r>
+                <a:rPr lang="en-US" altLang="zh-CN" sz="1400" dirty="0">
+                  <a:solidFill>
+                    <a:srgbClr val="000000"/>
+                  </a:solidFill>
+                  <a:latin typeface="微软雅黑" charset="-122"/>
+                  <a:ea typeface="微软雅黑" charset="-122"/>
+                </a:rPr>
+                <a:t>OpenCV :: dnn</a:t>
+              </a:r>
+              <a:endParaRPr lang="zh-CN" altLang="en-US" sz="1400" dirty="0">
+                <a:solidFill>
+                  <a:srgbClr val="000000"/>
+                </a:solidFill>
+                <a:latin typeface="微软雅黑" charset="-122"/>
+                <a:ea typeface="微软雅黑" charset="-122"/>
+              </a:endParaRPr>
+            </a:p>
+          </p:txBody>
+        </p:sp>
+        <p:cxnSp>
+          <p:nvCxnSpPr>
+            <p:cNvPr id="102" name="直接连接符 101"/>
+            <p:cNvCxnSpPr/>
+            <p:nvPr/>
+          </p:nvCxnSpPr>
+          <p:spPr>
+            <a:xfrm>
+              <a:off x="1737" y="3268"/>
+              <a:ext cx="8640" cy="0"/>
+            </a:xfrm>
+            <a:prstGeom prst="line">
+              <a:avLst/>
+            </a:prstGeom>
+            <a:ln w="25400">
+              <a:solidFill>
+                <a:srgbClr val="00B0F0"/>
+              </a:solidFill>
+              <a:prstDash val="sysDash"/>
+            </a:ln>
+          </p:spPr>
+          <p:style>
+            <a:lnRef idx="1">
+              <a:schemeClr val="accent1"/>
+            </a:lnRef>
+            <a:fillRef idx="0">
+              <a:schemeClr val="accent1"/>
+            </a:fillRef>
+            <a:effectRef idx="0">
+              <a:schemeClr val="accent1"/>
+            </a:effectRef>
+            <a:fontRef idx="minor">
+              <a:schemeClr val="tx1"/>
+            </a:fontRef>
+          </p:style>
+        </p:cxnSp>
+        <p:sp>
+          <p:nvSpPr>
+            <p:cNvPr id="12" name="TextBox 9"/>
+            <p:cNvSpPr txBox="1"/>
+            <p:nvPr/>
+          </p:nvSpPr>
+          <p:spPr>
+            <a:xfrm>
+              <a:off x="1903" y="2391"/>
+              <a:ext cx="1488" cy="436"/>
+            </a:xfrm>
+            <a:prstGeom prst="rect">
+              <a:avLst/>
+            </a:prstGeom>
+            <a:noFill/>
+          </p:spPr>
+          <p:txBody>
+            <a:bodyPr wrap="square" lIns="0" tIns="0" rIns="0" bIns="0" rtlCol="0">
+              <a:spAutoFit/>
+            </a:bodyPr>
+            <a:p>
+              <a:pPr marL="0" marR="0" lvl="0" indent="0" algn="l" defTabSz="609600" rtl="0" eaLnBrk="1" fontAlgn="auto" latinLnBrk="0" hangingPunct="1">
+                <a:lnSpc>
+                  <a:spcPct val="100000"/>
+                </a:lnSpc>
+                <a:spcBef>
+                  <a:spcPct val="20000"/>
+                </a:spcBef>
+                <a:spcAft>
+                  <a:spcPct val="0"/>
+                </a:spcAft>
+                <a:buClrTx/>
+                <a:buSzTx/>
+                <a:buFontTx/>
+                <a:buNone/>
+                <a:defRPr/>
+              </a:pPr>
+              <a:r>
+                <a:rPr kumimoji="0" lang="en-US" altLang="zh-CN" b="1" i="0" u="none" strike="noStrike" kern="1200" cap="none" spc="0" normalizeH="0" baseline="0" noProof="0" dirty="0">
+                  <a:ln>
+                    <a:noFill/>
+                  </a:ln>
+                  <a:solidFill>
+                    <a:prstClr val="black"/>
+                  </a:solidFill>
+                  <a:effectLst/>
+                  <a:uLnTx/>
+                  <a:uFillTx/>
+                  <a:latin typeface="微软雅黑" charset="-122"/>
+                  <a:ea typeface="微软雅黑" charset="-122"/>
+                  <a:cs typeface="+mn-cs"/>
+                </a:rPr>
+                <a:t>Display</a:t>
+              </a:r>
+              <a:endParaRPr kumimoji="0" lang="en-US" altLang="zh-CN" b="1" i="0" u="none" strike="noStrike" kern="1200" cap="none" spc="0" normalizeH="0" baseline="0" noProof="0" dirty="0">
+                <a:ln>
+                  <a:noFill/>
+                </a:ln>
+                <a:solidFill>
+                  <a:prstClr val="black"/>
+                </a:solidFill>
+                <a:effectLst/>
+                <a:uLnTx/>
+                <a:uFillTx/>
+                <a:latin typeface="微软雅黑" charset="-122"/>
+                <a:ea typeface="微软雅黑" charset="-122"/>
+                <a:cs typeface="+mn-cs"/>
+              </a:endParaRPr>
+            </a:p>
+          </p:txBody>
+        </p:sp>
+        <p:cxnSp>
+          <p:nvCxnSpPr>
+            <p:cNvPr id="13" name="直接连接符 12"/>
+            <p:cNvCxnSpPr/>
+            <p:nvPr/>
+          </p:nvCxnSpPr>
+          <p:spPr>
+            <a:xfrm>
+              <a:off x="1737" y="4582"/>
+              <a:ext cx="8670" cy="0"/>
+            </a:xfrm>
+            <a:prstGeom prst="line">
+              <a:avLst/>
+            </a:prstGeom>
+            <a:ln w="25400">
+              <a:solidFill>
+                <a:srgbClr val="00B0F0"/>
+              </a:solidFill>
+              <a:prstDash val="sysDash"/>
+            </a:ln>
+          </p:spPr>
+          <p:style>
+            <a:lnRef idx="1">
+              <a:schemeClr val="accent1"/>
+            </a:lnRef>
+            <a:fillRef idx="0">
+              <a:schemeClr val="accent1"/>
+            </a:fillRef>
+            <a:effectRef idx="0">
+              <a:schemeClr val="accent1"/>
+            </a:effectRef>
+            <a:fontRef idx="minor">
+              <a:schemeClr val="tx1"/>
+            </a:fontRef>
+          </p:style>
+        </p:cxnSp>
+        <p:sp>
+          <p:nvSpPr>
+            <p:cNvPr id="14" name="TextBox 9"/>
+            <p:cNvSpPr txBox="1"/>
+            <p:nvPr/>
+          </p:nvSpPr>
+          <p:spPr>
+            <a:xfrm>
+              <a:off x="1903" y="3709"/>
+              <a:ext cx="1800" cy="436"/>
+            </a:xfrm>
+            <a:prstGeom prst="rect">
+              <a:avLst/>
+            </a:prstGeom>
+            <a:noFill/>
+          </p:spPr>
+          <p:txBody>
+            <a:bodyPr wrap="square" lIns="0" tIns="0" rIns="0" bIns="0" rtlCol="0">
+              <a:spAutoFit/>
+            </a:bodyPr>
+            <a:p>
+              <a:pPr marL="0" marR="0" lvl="0" indent="0" algn="l" defTabSz="609600" rtl="0" eaLnBrk="1" fontAlgn="auto" latinLnBrk="0" hangingPunct="1">
+                <a:lnSpc>
+                  <a:spcPct val="100000"/>
+                </a:lnSpc>
+                <a:spcBef>
+                  <a:spcPct val="20000"/>
+                </a:spcBef>
+                <a:spcAft>
+                  <a:spcPct val="0"/>
+                </a:spcAft>
+                <a:buClrTx/>
+                <a:buSzTx/>
+                <a:buFontTx/>
+                <a:buNone/>
+                <a:defRPr/>
+              </a:pPr>
+              <a:r>
+                <a:rPr kumimoji="0" lang="en-US" altLang="zh-CN" b="1" i="0" u="none" strike="noStrike" kern="1200" cap="none" spc="0" normalizeH="0" baseline="0" noProof="0" dirty="0">
+                  <a:ln>
+                    <a:noFill/>
+                  </a:ln>
+                  <a:solidFill>
+                    <a:prstClr val="black"/>
+                  </a:solidFill>
+                  <a:effectLst/>
+                  <a:uLnTx/>
+                  <a:uFillTx/>
+                  <a:latin typeface="微软雅黑" charset="-122"/>
+                  <a:ea typeface="微软雅黑" charset="-122"/>
+                  <a:cs typeface="+mn-cs"/>
+                </a:rPr>
+                <a:t>Workflow</a:t>
+              </a:r>
+              <a:endParaRPr kumimoji="0" lang="en-US" altLang="zh-CN" b="1" i="0" u="none" strike="noStrike" kern="1200" cap="none" spc="0" normalizeH="0" baseline="0" noProof="0" dirty="0">
+                <a:ln>
+                  <a:noFill/>
+                </a:ln>
+                <a:solidFill>
+                  <a:prstClr val="black"/>
+                </a:solidFill>
+                <a:effectLst/>
+                <a:uLnTx/>
+                <a:uFillTx/>
+                <a:latin typeface="微软雅黑" charset="-122"/>
+                <a:ea typeface="微软雅黑" charset="-122"/>
+                <a:cs typeface="+mn-cs"/>
+              </a:endParaRPr>
+            </a:p>
+          </p:txBody>
+        </p:sp>
+        <p:sp>
+          <p:nvSpPr>
+            <p:cNvPr id="15" name="TextBox 9"/>
+            <p:cNvSpPr txBox="1"/>
+            <p:nvPr/>
+          </p:nvSpPr>
+          <p:spPr>
+            <a:xfrm>
+              <a:off x="1903" y="5019"/>
+              <a:ext cx="1487" cy="436"/>
+            </a:xfrm>
+            <a:prstGeom prst="rect">
+              <a:avLst/>
+            </a:prstGeom>
+            <a:noFill/>
+          </p:spPr>
+          <p:txBody>
+            <a:bodyPr wrap="square" lIns="0" tIns="0" rIns="0" bIns="0" rtlCol="0">
+              <a:spAutoFit/>
+            </a:bodyPr>
+            <a:p>
+              <a:pPr marL="0" marR="0" lvl="0" indent="0" algn="l" defTabSz="609600" rtl="0" eaLnBrk="1" fontAlgn="auto" latinLnBrk="0" hangingPunct="1">
+                <a:lnSpc>
+                  <a:spcPct val="100000"/>
+                </a:lnSpc>
+                <a:spcBef>
+                  <a:spcPct val="20000"/>
+                </a:spcBef>
+                <a:spcAft>
+                  <a:spcPct val="0"/>
+                </a:spcAft>
+                <a:buClrTx/>
+                <a:buSzTx/>
+                <a:buFontTx/>
+                <a:buNone/>
+                <a:defRPr/>
+              </a:pPr>
+              <a:r>
+                <a:rPr kumimoji="0" lang="en-US" altLang="zh-CN" b="1" i="0" u="none" strike="noStrike" kern="1200" cap="none" spc="0" normalizeH="0" baseline="0" noProof="0" dirty="0">
+                  <a:ln>
+                    <a:noFill/>
+                  </a:ln>
+                  <a:solidFill>
+                    <a:prstClr val="black"/>
+                  </a:solidFill>
+                  <a:effectLst/>
+                  <a:uLnTx/>
+                  <a:uFillTx/>
+                  <a:latin typeface="微软雅黑" charset="-122"/>
+                  <a:ea typeface="微软雅黑" charset="-122"/>
+                  <a:cs typeface="+mn-cs"/>
+                </a:rPr>
+                <a:t>Driver</a:t>
+              </a:r>
+              <a:endParaRPr kumimoji="0" lang="en-US" altLang="zh-CN" b="1" i="0" u="none" strike="noStrike" kern="1200" cap="none" spc="0" normalizeH="0" baseline="0" noProof="0" dirty="0">
+                <a:ln>
+                  <a:noFill/>
+                </a:ln>
+                <a:solidFill>
+                  <a:prstClr val="black"/>
+                </a:solidFill>
+                <a:effectLst/>
+                <a:uLnTx/>
+                <a:uFillTx/>
+                <a:latin typeface="微软雅黑" charset="-122"/>
+                <a:ea typeface="微软雅黑" charset="-122"/>
+                <a:cs typeface="+mn-cs"/>
+              </a:endParaRPr>
+            </a:p>
+          </p:txBody>
+        </p:sp>
+        <p:sp>
+          <p:nvSpPr>
+            <p:cNvPr id="17" name="Rectangle: Rounded Corners 12"/>
+            <p:cNvSpPr/>
+            <p:nvPr/>
+          </p:nvSpPr>
+          <p:spPr>
+            <a:xfrm>
+              <a:off x="4277" y="4927"/>
+              <a:ext cx="2602" cy="636"/>
+            </a:xfrm>
+            <a:prstGeom prst="roundRect">
+              <a:avLst/>
+            </a:prstGeom>
+            <a:solidFill>
+              <a:schemeClr val="bg1"/>
+            </a:solidFill>
+            <a:ln>
+              <a:solidFill>
+                <a:schemeClr val="bg1">
+                  <a:lumMod val="65000"/>
+                </a:schemeClr>
+              </a:solidFill>
+            </a:ln>
+          </p:spPr>
+          <p:style>
+            <a:lnRef idx="2">
+              <a:schemeClr val="accent1">
+                <a:shade val="50000"/>
+              </a:schemeClr>
+            </a:lnRef>
+            <a:fillRef idx="1">
+              <a:schemeClr val="accent1"/>
+            </a:fillRef>
+            <a:effectRef idx="0">
+              <a:schemeClr val="accent1"/>
+            </a:effectRef>
+            <a:fontRef idx="minor">
+              <a:schemeClr val="lt1"/>
+            </a:fontRef>
+          </p:style>
+          <p:txBody>
+            <a:bodyPr rtlCol="0" anchor="t" anchorCtr="1"/>
+            <a:p>
+              <a:pPr algn="ctr" defTabSz="1086485">
+                <a:defRPr/>
+              </a:pPr>
+              <a:r>
+                <a:rPr lang="en-US" altLang="zh-CN" sz="1400" dirty="0">
+                  <a:solidFill>
+                    <a:srgbClr val="000000"/>
+                  </a:solidFill>
+                  <a:latin typeface="微软雅黑" charset="-122"/>
+                  <a:ea typeface="微软雅黑" charset="-122"/>
+                </a:rPr>
+                <a:t>UART</a:t>
+              </a:r>
+              <a:endParaRPr lang="zh-CN" altLang="en-US" sz="1400" dirty="0">
+                <a:solidFill>
+                  <a:srgbClr val="000000"/>
+                </a:solidFill>
+                <a:latin typeface="微软雅黑" charset="-122"/>
+                <a:ea typeface="微软雅黑" charset="-122"/>
+              </a:endParaRPr>
+            </a:p>
+          </p:txBody>
+        </p:sp>
+        <p:sp>
+          <p:nvSpPr>
+            <p:cNvPr id="21" name="Rectangle: Rounded Corners 12"/>
+            <p:cNvSpPr/>
+            <p:nvPr/>
+          </p:nvSpPr>
+          <p:spPr>
+            <a:xfrm>
+              <a:off x="7571" y="4927"/>
+              <a:ext cx="2603" cy="636"/>
+            </a:xfrm>
+            <a:prstGeom prst="roundRect">
+              <a:avLst/>
+            </a:prstGeom>
+            <a:solidFill>
+              <a:schemeClr val="bg1"/>
+            </a:solidFill>
+            <a:ln>
+              <a:solidFill>
+                <a:schemeClr val="bg1">
+                  <a:lumMod val="65000"/>
+                </a:schemeClr>
+              </a:solidFill>
+            </a:ln>
+          </p:spPr>
+          <p:style>
+            <a:lnRef idx="2">
+              <a:schemeClr val="accent1">
+                <a:shade val="50000"/>
+              </a:schemeClr>
+            </a:lnRef>
+            <a:fillRef idx="1">
+              <a:schemeClr val="accent1"/>
+            </a:fillRef>
+            <a:effectRef idx="0">
+              <a:schemeClr val="accent1"/>
+            </a:effectRef>
+            <a:fontRef idx="minor">
+              <a:schemeClr val="lt1"/>
+            </a:fontRef>
+          </p:style>
+          <p:txBody>
+            <a:bodyPr rtlCol="0" anchor="t" anchorCtr="1"/>
+            <a:p>
+              <a:pPr algn="ctr" defTabSz="1086485">
+                <a:defRPr/>
+              </a:pPr>
+              <a:r>
+                <a:rPr lang="en-US" altLang="zh-CN" sz="1400" dirty="0">
+                  <a:solidFill>
+                    <a:srgbClr val="000000"/>
+                  </a:solidFill>
+                  <a:latin typeface="微软雅黑" charset="-122"/>
+                  <a:ea typeface="微软雅黑" charset="-122"/>
+                </a:rPr>
+                <a:t>OpenCV camera</a:t>
+              </a:r>
+              <a:endParaRPr lang="en-US" altLang="zh-CN" sz="1400" dirty="0">
+                <a:solidFill>
+                  <a:srgbClr val="000000"/>
+                </a:solidFill>
+                <a:latin typeface="微软雅黑" charset="-122"/>
+                <a:ea typeface="微软雅黑" charset="-122"/>
+              </a:endParaRPr>
+            </a:p>
+          </p:txBody>
+        </p:sp>
+      </p:grpSp>
+      <p:sp>
+        <p:nvSpPr>
+          <p:cNvPr id="7" name="Title 6"/>
           <p:cNvSpPr>
             <a:spLocks noGrp="1"/>
           </p:cNvSpPr>
@@ -3071,8 +3552,8 @@
           <a:bodyPr vert="horz" lIns="91440" tIns="45720" rIns="91440" bIns="45720" rtlCol="0" anchor="ctr">
             <a:noAutofit/>
           </a:bodyPr>
-          <a:lstStyle/>
-          <a:p>
+          <a:p>
+            <a:pPr algn="l"/>
             <a:r>
               <a:rPr lang="en-US" sz="1800">
                 <a:ea typeface="+mj-lt"/>
@@ -3085,6 +3566,7 @@
             </a:endParaRPr>
           </a:p>
           <a:p>
+            <a:pPr algn="l"/>
             <a:r>
               <a:rPr lang="en-US" sz="1800">
                 <a:ea typeface="+mj-lt"/>
@@ -3097,6 +3579,7 @@
             </a:endParaRPr>
           </a:p>
           <a:p>
+            <a:pPr algn="l"/>
             <a:r>
               <a:rPr lang="en-US" sz="1800">
                 <a:ea typeface="+mj-lt"/>
@@ -3112,27 +3595,15 @@
       </p:sp>
       <p:graphicFrame>
         <p:nvGraphicFramePr>
-          <p:cNvPr id="3" name="表格 2">
-            <a:extLst>
-              <a:ext uri="{FF2B5EF4-FFF2-40B4-BE49-F238E27FC236}">
-                <a16:creationId xmlns:a16="http://schemas.microsoft.com/office/drawing/2014/main" id="{D8AB9FE9-EB08-A21F-E870-9FA526B62627}"/>
-              </a:ext>
-            </a:extLst>
-          </p:cNvPr>
+          <p:cNvPr id="3" name="表格 2"/>
           <p:cNvGraphicFramePr>
             <a:graphicFrameLocks noGrp="1"/>
           </p:cNvGraphicFramePr>
-          <p:nvPr>
-            <p:extLst>
-              <p:ext uri="{D42A27DB-BD31-4B8C-83A1-F6EECF244321}">
-                <p14:modId xmlns:p14="http://schemas.microsoft.com/office/powerpoint/2010/main" val="3135809880"/>
-              </p:ext>
-            </p:extLst>
-          </p:nvPr>
+          <p:nvPr/>
         </p:nvGraphicFramePr>
         <p:xfrm>
-          <a:off x="7172960" y="5521437"/>
-          <a:ext cx="3606800" cy="529590"/>
+          <a:off x="7422515" y="4657090"/>
+          <a:ext cx="3963670" cy="731520"/>
         </p:xfrm>
         <a:graphic>
           <a:graphicData uri="http://schemas.openxmlformats.org/drawingml/2006/table">
@@ -3141,19 +3612,12 @@
                 <a:tableStyleId>{5C22544A-7EE6-4342-B048-85BDC9FD1C3A}</a:tableStyleId>
               </a:tblPr>
               <a:tblGrid>
-                <a:gridCol w="3606800">
-                  <a:extLst>
-                    <a:ext uri="{9D8B030D-6E8A-4147-A177-3AD203B41FA5}">
-                      <a16:colId xmlns:a16="http://schemas.microsoft.com/office/drawing/2014/main" val="2718636420"/>
-                    </a:ext>
-                  </a:extLst>
-                </a:gridCol>
+                <a:gridCol w="3963670"/>
               </a:tblGrid>
-              <a:tr h="176530">
+              <a:tr h="243840">
                 <a:tc>
                   <a:txBody>
                     <a:bodyPr/>
-                    <a:lstStyle/>
                     <a:p>
                       <a:pPr algn="l" fontAlgn="b"/>
                       <a:r>
@@ -3180,17 +3644,11 @@
                   </a:txBody>
                   <a:tcPr marL="4763" marR="4763" marT="4763" marB="0" anchor="b"/>
                 </a:tc>
-                <a:extLst>
-                  <a:ext uri="{0D108BD9-81ED-4DB2-BD59-A6C34878D82A}">
-                    <a16:rowId xmlns:a16="http://schemas.microsoft.com/office/drawing/2014/main" val="1153157284"/>
-                  </a:ext>
-                </a:extLst>
               </a:tr>
-              <a:tr h="176530">
+              <a:tr h="243840">
                 <a:tc>
                   <a:txBody>
                     <a:bodyPr/>
-                    <a:lstStyle/>
                     <a:p>
                       <a:pPr algn="l" fontAlgn="b"/>
                       <a:r>
@@ -3211,17 +3669,11 @@
                   </a:txBody>
                   <a:tcPr marL="4763" marR="4763" marT="4763" marB="0" anchor="b"/>
                 </a:tc>
-                <a:extLst>
-                  <a:ext uri="{0D108BD9-81ED-4DB2-BD59-A6C34878D82A}">
-                    <a16:rowId xmlns:a16="http://schemas.microsoft.com/office/drawing/2014/main" val="4234296213"/>
-                  </a:ext>
-                </a:extLst>
               </a:tr>
-              <a:tr h="176530">
+              <a:tr h="243840">
                 <a:tc>
                   <a:txBody>
                     <a:bodyPr/>
-                    <a:lstStyle/>
                     <a:p>
                       <a:pPr algn="l" fontAlgn="b"/>
                       <a:r>
@@ -3242,22 +3694,45 @@
                   </a:txBody>
                   <a:tcPr marL="4763" marR="4763" marT="4763" marB="0" anchor="b"/>
                 </a:tc>
-                <a:extLst>
-                  <a:ext uri="{0D108BD9-81ED-4DB2-BD59-A6C34878D82A}">
-                    <a16:rowId xmlns:a16="http://schemas.microsoft.com/office/drawing/2014/main" val="53929917"/>
-                  </a:ext>
-                </a:extLst>
               </a:tr>
             </a:tbl>
           </a:graphicData>
         </a:graphic>
       </p:graphicFrame>
+      <p:sp>
+        <p:nvSpPr>
+          <p:cNvPr id="2" name="文本框 1"/>
+          <p:cNvSpPr txBox="1"/>
+          <p:nvPr/>
+        </p:nvSpPr>
+        <p:spPr>
+          <a:xfrm>
+            <a:off x="1135069" y="501372"/>
+            <a:ext cx="2743199" cy="369332"/>
+          </a:xfrm>
+          <a:prstGeom prst="rect">
+            <a:avLst/>
+          </a:prstGeom>
+          <a:noFill/>
+        </p:spPr>
+        <p:txBody>
+          <a:bodyPr rot="0" spcFirstLastPara="0" vertOverflow="overflow" horzOverflow="overflow" vert="horz" wrap="square" lIns="91440" tIns="45720" rIns="91440" bIns="45720" numCol="1" spcCol="0" rtlCol="0" fromWordArt="0" anchor="t" anchorCtr="0" forceAA="0" compatLnSpc="1">
+            <a:spAutoFit/>
+          </a:bodyPr>
+          <a:p>
+            <a:pPr algn="l"/>
+            <a:r>
+              <a:rPr lang="zh-CN" altLang="en-US">
+                <a:ea typeface="宋体"/>
+                <a:cs typeface="Calibri"/>
+              </a:rPr>
+              <a:t>Yang</a:t>
+            </a:r>
+            <a:endParaRPr lang="zh-CN" altLang="en-US"/>
+          </a:p>
+        </p:txBody>
+      </p:sp>
     </p:spTree>
-    <p:extLst>
-      <p:ext uri="{BB962C8B-B14F-4D97-AF65-F5344CB8AC3E}">
-        <p14:creationId xmlns:p14="http://schemas.microsoft.com/office/powerpoint/2010/main" val="1528950256"/>
-      </p:ext>
-    </p:extLst>
   </p:cSld>
   <p:clrMapOvr>
     <a:masterClrMapping/>
@@ -3284,13 +3759,7 @@
       </p:grpSpPr>
       <p:grpSp>
         <p:nvGrpSpPr>
-          <p:cNvPr id="36" name="组合 35">
-            <a:extLst>
-              <a:ext uri="{FF2B5EF4-FFF2-40B4-BE49-F238E27FC236}">
-                <a16:creationId xmlns:a16="http://schemas.microsoft.com/office/drawing/2014/main" id="{3E5AC9B8-03B0-A0A7-D752-BC4738D5EABB}"/>
-              </a:ext>
-            </a:extLst>
-          </p:cNvPr>
+          <p:cNvPr id="36" name="组合 35"/>
           <p:cNvGrpSpPr/>
           <p:nvPr/>
         </p:nvGrpSpPr>
@@ -3304,13 +3773,7 @@
         </p:grpSpPr>
         <p:sp>
           <p:nvSpPr>
-            <p:cNvPr id="9" name="矩形 8">
-              <a:extLst>
-                <a:ext uri="{FF2B5EF4-FFF2-40B4-BE49-F238E27FC236}">
-                  <a16:creationId xmlns:a16="http://schemas.microsoft.com/office/drawing/2014/main" id="{EBEBE6DA-D377-9239-3F18-6187556EAF23}"/>
-                </a:ext>
-              </a:extLst>
-            </p:cNvPr>
+            <p:cNvPr id="9" name="矩形 8"/>
             <p:cNvSpPr/>
             <p:nvPr/>
           </p:nvSpPr>
@@ -3348,13 +3811,7 @@
         </p:sp>
         <p:sp>
           <p:nvSpPr>
-            <p:cNvPr id="26" name="文本框 25">
-              <a:extLst>
-                <a:ext uri="{FF2B5EF4-FFF2-40B4-BE49-F238E27FC236}">
-                  <a16:creationId xmlns:a16="http://schemas.microsoft.com/office/drawing/2014/main" id="{6E5E12A3-A72B-2A72-0033-DE0BC77667F2}"/>
-                </a:ext>
-              </a:extLst>
-            </p:cNvPr>
+            <p:cNvPr id="26" name="文本框 25"/>
             <p:cNvSpPr txBox="1"/>
             <p:nvPr/>
           </p:nvSpPr>
@@ -3370,9 +3827,6 @@
           </p:spPr>
           <p:txBody>
             <a:bodyPr rot="0" spcFirstLastPara="0" vertOverflow="overflow" horzOverflow="overflow" vert="horz" wrap="square" lIns="91440" tIns="45720" rIns="91440" bIns="45720" numCol="1" spcCol="0" rtlCol="0" fromWordArt="0" anchor="t" anchorCtr="0" forceAA="0" compatLnSpc="1">
-              <a:prstTxWarp prst="textNoShape">
-                <a:avLst/>
-              </a:prstTxWarp>
               <a:spAutoFit/>
             </a:bodyPr>
             <a:lstStyle/>
@@ -3392,13 +3846,7 @@
       </p:grpSp>
       <p:sp>
         <p:nvSpPr>
-          <p:cNvPr id="6" name="文本框 5">
-            <a:extLst>
-              <a:ext uri="{FF2B5EF4-FFF2-40B4-BE49-F238E27FC236}">
-                <a16:creationId xmlns:a16="http://schemas.microsoft.com/office/drawing/2014/main" id="{02180B73-E1FC-DE7C-F291-0C01B24B21BA}"/>
-              </a:ext>
-            </a:extLst>
-          </p:cNvPr>
+          <p:cNvPr id="6" name="文本框 5"/>
           <p:cNvSpPr txBox="1"/>
           <p:nvPr/>
         </p:nvSpPr>
@@ -3414,9 +3862,6 @@
         </p:spPr>
         <p:txBody>
           <a:bodyPr rot="0" spcFirstLastPara="0" vertOverflow="overflow" horzOverflow="overflow" vert="horz" wrap="square" lIns="91440" tIns="45720" rIns="91440" bIns="45720" numCol="1" spcCol="0" rtlCol="0" fromWordArt="0" anchor="t" anchorCtr="0" forceAA="0" compatLnSpc="1">
-            <a:prstTxWarp prst="textNoShape">
-              <a:avLst/>
-            </a:prstTxWarp>
             <a:spAutoFit/>
           </a:bodyPr>
           <a:lstStyle/>
@@ -3429,7 +3874,7 @@
               <a:t>Yujie</a:t>
             </a:r>
             <a:endParaRPr lang="zh-CN" altLang="en-US">
-              <a:ea typeface="宋体" panose="02010600030101010101" pitchFamily="2" charset="-122"/>
+              <a:ea typeface="宋体" pitchFamily="2" charset="-122"/>
               <a:cs typeface="Calibri"/>
             </a:endParaRPr>
           </a:p>
@@ -3442,18 +3887,16 @@
               </a:rPr>
               <a:t>软件架构</a:t>
             </a:r>
-          </a:p>
-        </p:txBody>
-      </p:sp>
-      <p:sp>
-        <p:nvSpPr>
-          <p:cNvPr id="10" name="矩形: 圆角 9">
-            <a:extLst>
-              <a:ext uri="{FF2B5EF4-FFF2-40B4-BE49-F238E27FC236}">
-                <a16:creationId xmlns:a16="http://schemas.microsoft.com/office/drawing/2014/main" id="{FE1A751C-2A2D-9B61-F1DF-ABEFDE954AE7}"/>
-              </a:ext>
-            </a:extLst>
-          </p:cNvPr>
+            <a:endParaRPr lang="zh-CN" altLang="en-US">
+              <a:ea typeface="宋体"/>
+              <a:cs typeface="Calibri"/>
+            </a:endParaRPr>
+          </a:p>
+        </p:txBody>
+      </p:sp>
+      <p:sp>
+        <p:nvSpPr>
+          <p:cNvPr id="10" name="矩形: 圆角 9"/>
           <p:cNvSpPr/>
           <p:nvPr/>
         </p:nvSpPr>
@@ -3492,18 +3935,16 @@
               </a:rPr>
               <a:t>由相机触发</a:t>
             </a:r>
-          </a:p>
-        </p:txBody>
-      </p:sp>
-      <p:sp>
-        <p:nvSpPr>
-          <p:cNvPr id="11" name="矩形: 圆角 10">
-            <a:extLst>
-              <a:ext uri="{FF2B5EF4-FFF2-40B4-BE49-F238E27FC236}">
-                <a16:creationId xmlns:a16="http://schemas.microsoft.com/office/drawing/2014/main" id="{DCB42CB2-7AFF-3109-26BE-1DA5D366D520}"/>
-              </a:ext>
-            </a:extLst>
-          </p:cNvPr>
+            <a:endParaRPr lang="zh-CN" altLang="en-US">
+              <a:ea typeface="宋体"/>
+              <a:cs typeface="Calibri"/>
+            </a:endParaRPr>
+          </a:p>
+        </p:txBody>
+      </p:sp>
+      <p:sp>
+        <p:nvSpPr>
+          <p:cNvPr id="11" name="矩形: 圆角 10"/>
           <p:cNvSpPr/>
           <p:nvPr/>
         </p:nvSpPr>
@@ -3542,18 +3983,16 @@
               </a:rPr>
               <a:t>读GNSS</a:t>
             </a:r>
-          </a:p>
-        </p:txBody>
-      </p:sp>
-      <p:sp>
-        <p:nvSpPr>
-          <p:cNvPr id="12" name="矩形: 圆角 11">
-            <a:extLst>
-              <a:ext uri="{FF2B5EF4-FFF2-40B4-BE49-F238E27FC236}">
-                <a16:creationId xmlns:a16="http://schemas.microsoft.com/office/drawing/2014/main" id="{DC0412D6-CA7F-C08A-95A8-24D2678BADF0}"/>
-              </a:ext>
-            </a:extLst>
-          </p:cNvPr>
+            <a:endParaRPr lang="zh-CN" altLang="en-US">
+              <a:ea typeface="宋体"/>
+              <a:cs typeface="Calibri"/>
+            </a:endParaRPr>
+          </a:p>
+        </p:txBody>
+      </p:sp>
+      <p:sp>
+        <p:nvSpPr>
+          <p:cNvPr id="12" name="矩形: 圆角 11"/>
           <p:cNvSpPr/>
           <p:nvPr/>
         </p:nvSpPr>
@@ -3592,18 +4031,16 @@
               </a:rPr>
               <a:t>计算dnn</a:t>
             </a:r>
-          </a:p>
-        </p:txBody>
-      </p:sp>
-      <p:sp>
-        <p:nvSpPr>
-          <p:cNvPr id="18" name="矩形: 圆角 17">
-            <a:extLst>
-              <a:ext uri="{FF2B5EF4-FFF2-40B4-BE49-F238E27FC236}">
-                <a16:creationId xmlns:a16="http://schemas.microsoft.com/office/drawing/2014/main" id="{33F96274-1549-C8B4-FC57-958F4048E828}"/>
-              </a:ext>
-            </a:extLst>
-          </p:cNvPr>
+            <a:endParaRPr lang="zh-CN" altLang="en-US">
+              <a:ea typeface="宋体"/>
+              <a:cs typeface="Calibri"/>
+            </a:endParaRPr>
+          </a:p>
+        </p:txBody>
+      </p:sp>
+      <p:sp>
+        <p:nvSpPr>
+          <p:cNvPr id="18" name="矩形: 圆角 17"/>
           <p:cNvSpPr/>
           <p:nvPr/>
         </p:nvSpPr>
@@ -3642,18 +4079,16 @@
               </a:rPr>
               <a:t>显示数据</a:t>
             </a:r>
-          </a:p>
-        </p:txBody>
-      </p:sp>
-      <p:sp>
-        <p:nvSpPr>
-          <p:cNvPr id="21" name="矩形: 圆角 20">
-            <a:extLst>
-              <a:ext uri="{FF2B5EF4-FFF2-40B4-BE49-F238E27FC236}">
-                <a16:creationId xmlns:a16="http://schemas.microsoft.com/office/drawing/2014/main" id="{258E46BE-B0D3-F324-3D38-CAFAB045BF61}"/>
-              </a:ext>
-            </a:extLst>
-          </p:cNvPr>
+            <a:endParaRPr lang="zh-CN" altLang="en-US">
+              <a:ea typeface="宋体"/>
+              <a:cs typeface="Calibri"/>
+            </a:endParaRPr>
+          </a:p>
+        </p:txBody>
+      </p:sp>
+      <p:sp>
+        <p:nvSpPr>
+          <p:cNvPr id="21" name="矩形: 圆角 20"/>
           <p:cNvSpPr/>
           <p:nvPr/>
         </p:nvSpPr>
@@ -3692,18 +4127,16 @@
               </a:rPr>
               <a:t>Watchdog</a:t>
             </a:r>
-          </a:p>
-        </p:txBody>
-      </p:sp>
-      <p:sp>
-        <p:nvSpPr>
-          <p:cNvPr id="24" name="矩形 23">
-            <a:extLst>
-              <a:ext uri="{FF2B5EF4-FFF2-40B4-BE49-F238E27FC236}">
-                <a16:creationId xmlns:a16="http://schemas.microsoft.com/office/drawing/2014/main" id="{2800A862-67EA-0311-4F2E-859A0EC69E5C}"/>
-              </a:ext>
-            </a:extLst>
-          </p:cNvPr>
+            <a:endParaRPr lang="zh-CN" altLang="en-US">
+              <a:ea typeface="宋体"/>
+              <a:cs typeface="Calibri"/>
+            </a:endParaRPr>
+          </a:p>
+        </p:txBody>
+      </p:sp>
+      <p:sp>
+        <p:nvSpPr>
+          <p:cNvPr id="24" name="矩形 23"/>
           <p:cNvSpPr/>
           <p:nvPr/>
         </p:nvSpPr>
@@ -3737,20 +4170,14 @@
             <a:pPr algn="ctr"/>
             <a:endParaRPr lang="zh-CN" altLang="en-US">
               <a:ea typeface="宋体"/>
-              <a:cs typeface="Calibri" panose="020F0502020204030204"/>
+              <a:cs typeface="Calibri"/>
             </a:endParaRPr>
           </a:p>
         </p:txBody>
       </p:sp>
       <p:sp>
         <p:nvSpPr>
-          <p:cNvPr id="22" name="矩形: 圆角 21">
-            <a:extLst>
-              <a:ext uri="{FF2B5EF4-FFF2-40B4-BE49-F238E27FC236}">
-                <a16:creationId xmlns:a16="http://schemas.microsoft.com/office/drawing/2014/main" id="{AB3D0F86-152E-8C18-3A40-B9ACF1528F35}"/>
-              </a:ext>
-            </a:extLst>
-          </p:cNvPr>
+          <p:cNvPr id="22" name="矩形: 圆角 21"/>
           <p:cNvSpPr/>
           <p:nvPr/>
         </p:nvSpPr>
@@ -3795,13 +4222,7 @@
       </p:sp>
       <p:sp>
         <p:nvSpPr>
-          <p:cNvPr id="25" name="文本框 24">
-            <a:extLst>
-              <a:ext uri="{FF2B5EF4-FFF2-40B4-BE49-F238E27FC236}">
-                <a16:creationId xmlns:a16="http://schemas.microsoft.com/office/drawing/2014/main" id="{DFB46A50-0CA2-E79F-17B7-DE055B136D25}"/>
-              </a:ext>
-            </a:extLst>
-          </p:cNvPr>
+          <p:cNvPr id="25" name="文本框 24"/>
           <p:cNvSpPr txBox="1"/>
           <p:nvPr/>
         </p:nvSpPr>
@@ -3817,9 +4238,6 @@
         </p:spPr>
         <p:txBody>
           <a:bodyPr rot="0" spcFirstLastPara="0" vertOverflow="overflow" horzOverflow="overflow" vert="horz" wrap="square" lIns="91440" tIns="45720" rIns="91440" bIns="45720" numCol="1" spcCol="0" rtlCol="0" fromWordArt="0" anchor="t" anchorCtr="0" forceAA="0" compatLnSpc="1">
-            <a:prstTxWarp prst="textNoShape">
-              <a:avLst/>
-            </a:prstTxWarp>
             <a:spAutoFit/>
           </a:bodyPr>
           <a:lstStyle/>
@@ -3837,13 +4255,7 @@
       </p:sp>
       <p:grpSp>
         <p:nvGrpSpPr>
-          <p:cNvPr id="35" name="组合 34">
-            <a:extLst>
-              <a:ext uri="{FF2B5EF4-FFF2-40B4-BE49-F238E27FC236}">
-                <a16:creationId xmlns:a16="http://schemas.microsoft.com/office/drawing/2014/main" id="{0DDEDF8A-DA79-4F2E-10AB-5E4181F8C12B}"/>
-              </a:ext>
-            </a:extLst>
-          </p:cNvPr>
+          <p:cNvPr id="35" name="组合 34"/>
           <p:cNvGrpSpPr/>
           <p:nvPr/>
         </p:nvGrpSpPr>
@@ -3857,13 +4269,7 @@
         </p:grpSpPr>
         <p:sp>
           <p:nvSpPr>
-            <p:cNvPr id="23" name="矩形 22">
-              <a:extLst>
-                <a:ext uri="{FF2B5EF4-FFF2-40B4-BE49-F238E27FC236}">
-                  <a16:creationId xmlns:a16="http://schemas.microsoft.com/office/drawing/2014/main" id="{1235221A-55BD-A0F3-0815-279A0FFC4BB3}"/>
-                </a:ext>
-              </a:extLst>
-            </p:cNvPr>
+            <p:cNvPr id="23" name="矩形 22"/>
             <p:cNvSpPr/>
             <p:nvPr/>
           </p:nvSpPr>
@@ -3901,13 +4307,7 @@
         </p:sp>
         <p:sp>
           <p:nvSpPr>
-            <p:cNvPr id="27" name="文本框 26">
-              <a:extLst>
-                <a:ext uri="{FF2B5EF4-FFF2-40B4-BE49-F238E27FC236}">
-                  <a16:creationId xmlns:a16="http://schemas.microsoft.com/office/drawing/2014/main" id="{A28164E5-FFE2-557D-9B01-95E32AF5CEDE}"/>
-                </a:ext>
-              </a:extLst>
-            </p:cNvPr>
+            <p:cNvPr id="27" name="文本框 26"/>
             <p:cNvSpPr txBox="1"/>
             <p:nvPr/>
           </p:nvSpPr>
@@ -3923,9 +4323,6 @@
           </p:spPr>
           <p:txBody>
             <a:bodyPr rot="0" spcFirstLastPara="0" vertOverflow="overflow" horzOverflow="overflow" vert="horz" wrap="square" lIns="91440" tIns="45720" rIns="91440" bIns="45720" numCol="1" spcCol="0" rtlCol="0" fromWordArt="0" anchor="t" anchorCtr="0" forceAA="0" compatLnSpc="1">
-              <a:prstTxWarp prst="textNoShape">
-                <a:avLst/>
-              </a:prstTxWarp>
               <a:spAutoFit/>
             </a:bodyPr>
             <a:lstStyle/>
@@ -3945,13 +4342,7 @@
       </p:grpSp>
       <p:sp>
         <p:nvSpPr>
-          <p:cNvPr id="29" name="箭头: 下 28">
-            <a:extLst>
-              <a:ext uri="{FF2B5EF4-FFF2-40B4-BE49-F238E27FC236}">
-                <a16:creationId xmlns:a16="http://schemas.microsoft.com/office/drawing/2014/main" id="{B9973A4D-F5AA-5CC1-2AF3-CC8807C5009E}"/>
-              </a:ext>
-            </a:extLst>
-          </p:cNvPr>
+          <p:cNvPr id="29" name="箭头: 下 28"/>
           <p:cNvSpPr/>
           <p:nvPr/>
         </p:nvSpPr>
@@ -3991,13 +4382,7 @@
       </p:sp>
       <p:sp>
         <p:nvSpPr>
-          <p:cNvPr id="30" name="箭头: 下 29">
-            <a:extLst>
-              <a:ext uri="{FF2B5EF4-FFF2-40B4-BE49-F238E27FC236}">
-                <a16:creationId xmlns:a16="http://schemas.microsoft.com/office/drawing/2014/main" id="{1A04D884-726F-12E3-D227-F1783E7D9836}"/>
-              </a:ext>
-            </a:extLst>
-          </p:cNvPr>
+          <p:cNvPr id="30" name="箭头: 下 29"/>
           <p:cNvSpPr/>
           <p:nvPr/>
         </p:nvSpPr>
@@ -4037,13 +4422,7 @@
       </p:sp>
       <p:sp>
         <p:nvSpPr>
-          <p:cNvPr id="31" name="箭头: 下 30">
-            <a:extLst>
-              <a:ext uri="{FF2B5EF4-FFF2-40B4-BE49-F238E27FC236}">
-                <a16:creationId xmlns:a16="http://schemas.microsoft.com/office/drawing/2014/main" id="{4E156992-7ED7-C0C3-3E5D-3BE29ACAEA78}"/>
-              </a:ext>
-            </a:extLst>
-          </p:cNvPr>
+          <p:cNvPr id="31" name="箭头: 下 30"/>
           <p:cNvSpPr/>
           <p:nvPr/>
         </p:nvSpPr>
@@ -4083,13 +4462,7 @@
       </p:sp>
       <p:sp>
         <p:nvSpPr>
-          <p:cNvPr id="32" name="箭头: 左 31">
-            <a:extLst>
-              <a:ext uri="{FF2B5EF4-FFF2-40B4-BE49-F238E27FC236}">
-                <a16:creationId xmlns:a16="http://schemas.microsoft.com/office/drawing/2014/main" id="{B623A534-6A7C-7B14-2DB0-637D4BFD3DDF}"/>
-              </a:ext>
-            </a:extLst>
-          </p:cNvPr>
+          <p:cNvPr id="32" name="箭头: 左 31"/>
           <p:cNvSpPr/>
           <p:nvPr/>
         </p:nvSpPr>
@@ -4129,13 +4502,7 @@
       </p:sp>
       <p:sp>
         <p:nvSpPr>
-          <p:cNvPr id="33" name="箭头: 左 32">
-            <a:extLst>
-              <a:ext uri="{FF2B5EF4-FFF2-40B4-BE49-F238E27FC236}">
-                <a16:creationId xmlns:a16="http://schemas.microsoft.com/office/drawing/2014/main" id="{C256E0D2-F8FA-2148-FA88-E1AB18E3FB46}"/>
-              </a:ext>
-            </a:extLst>
-          </p:cNvPr>
+          <p:cNvPr id="33" name="箭头: 左 32"/>
           <p:cNvSpPr/>
           <p:nvPr/>
         </p:nvSpPr>
@@ -4175,13 +4542,7 @@
       </p:sp>
       <p:sp>
         <p:nvSpPr>
-          <p:cNvPr id="19" name="矩形: 圆角 18">
-            <a:extLst>
-              <a:ext uri="{FF2B5EF4-FFF2-40B4-BE49-F238E27FC236}">
-                <a16:creationId xmlns:a16="http://schemas.microsoft.com/office/drawing/2014/main" id="{D4D2F376-5EC3-2277-D096-D92F0A47586D}"/>
-              </a:ext>
-            </a:extLst>
-          </p:cNvPr>
+          <p:cNvPr id="19" name="矩形: 圆角 18"/>
           <p:cNvSpPr/>
           <p:nvPr/>
         </p:nvSpPr>
@@ -4220,18 +4581,16 @@
               </a:rPr>
               <a:t>Camera</a:t>
             </a:r>
-          </a:p>
-        </p:txBody>
-      </p:sp>
-      <p:sp>
-        <p:nvSpPr>
-          <p:cNvPr id="20" name="矩形: 圆角 19">
-            <a:extLst>
-              <a:ext uri="{FF2B5EF4-FFF2-40B4-BE49-F238E27FC236}">
-                <a16:creationId xmlns:a16="http://schemas.microsoft.com/office/drawing/2014/main" id="{BA4B620A-5ACD-FD1D-41A0-7D472EC08EBA}"/>
-              </a:ext>
-            </a:extLst>
-          </p:cNvPr>
+            <a:endParaRPr lang="zh-CN" altLang="en-US">
+              <a:ea typeface="宋体"/>
+              <a:cs typeface="Calibri"/>
+            </a:endParaRPr>
+          </a:p>
+        </p:txBody>
+      </p:sp>
+      <p:sp>
+        <p:nvSpPr>
+          <p:cNvPr id="20" name="矩形: 圆角 19"/>
           <p:cNvSpPr/>
           <p:nvPr/>
         </p:nvSpPr>
@@ -4275,11 +4634,6 @@
         </p:txBody>
       </p:sp>
     </p:spTree>
-    <p:extLst>
-      <p:ext uri="{BB962C8B-B14F-4D97-AF65-F5344CB8AC3E}">
-        <p14:creationId xmlns:p14="http://schemas.microsoft.com/office/powerpoint/2010/main" val="3135407832"/>
-      </p:ext>
-    </p:extLst>
   </p:cSld>
   <p:clrMapOvr>
     <a:masterClrMapping/>
@@ -4306,13 +4660,7 @@
       </p:grpSpPr>
       <p:sp>
         <p:nvSpPr>
-          <p:cNvPr id="5" name="文本框 4">
-            <a:extLst>
-              <a:ext uri="{FF2B5EF4-FFF2-40B4-BE49-F238E27FC236}">
-                <a16:creationId xmlns:a16="http://schemas.microsoft.com/office/drawing/2014/main" id="{680D41B9-BBF2-3F33-38E0-221FA8EC6508}"/>
-              </a:ext>
-            </a:extLst>
-          </p:cNvPr>
+          <p:cNvPr id="5" name="文本框 4"/>
           <p:cNvSpPr txBox="1"/>
           <p:nvPr/>
         </p:nvSpPr>
@@ -4333,9 +4681,6 @@
         </p:spPr>
         <p:txBody>
           <a:bodyPr rot="0" spcFirstLastPara="0" vertOverflow="overflow" horzOverflow="overflow" vert="horz" wrap="square" lIns="91440" tIns="45720" rIns="91440" bIns="45720" numCol="1" spcCol="0" rtlCol="0" fromWordArt="0" anchor="t" anchorCtr="0" forceAA="0" compatLnSpc="1">
-            <a:prstTxWarp prst="textNoShape">
-              <a:avLst/>
-            </a:prstTxWarp>
             <a:spAutoFit/>
           </a:bodyPr>
           <a:lstStyle/>
@@ -4348,7 +4693,7 @@
               <a:t>输出：</a:t>
             </a:r>
             <a:endParaRPr lang="zh-CN" altLang="en-US">
-              <a:ea typeface="宋体" panose="02010600030101010101" pitchFamily="2" charset="-122"/>
+              <a:ea typeface="宋体" pitchFamily="2" charset="-122"/>
               <a:cs typeface="Calibri"/>
             </a:endParaRPr>
           </a:p>
@@ -4363,6 +4708,10 @@
               </a:rPr>
               <a:t>检测时，实时：</a:t>
             </a:r>
+            <a:endParaRPr lang="zh-CN" altLang="en-US">
+              <a:ea typeface="宋体"/>
+              <a:cs typeface="Calibri"/>
+            </a:endParaRPr>
           </a:p>
           <a:p>
             <a:pPr marL="342900" indent="-342900" algn="l">
@@ -4383,7 +4732,7 @@
               <a:t>带识别框的图片；</a:t>
             </a:r>
             <a:endParaRPr lang="zh-CN">
-              <a:cs typeface="Calibri" panose="020F0502020204030204"/>
+              <a:cs typeface="Calibri"/>
             </a:endParaRPr>
           </a:p>
           <a:p>
@@ -4450,6 +4799,10 @@
               </a:rPr>
               <a:t>日志</a:t>
             </a:r>
+            <a:endParaRPr lang="zh-CN" altLang="en-US">
+              <a:ea typeface="宋体"/>
+              <a:cs typeface="Calibri"/>
+            </a:endParaRPr>
           </a:p>
           <a:p>
             <a:pPr marL="342900" indent="-342900">
@@ -4468,18 +4821,16 @@
               </a:rPr>
               <a:t>2、后续调取的：原视频（带缺陷的视频段）</a:t>
             </a:r>
-          </a:p>
-        </p:txBody>
-      </p:sp>
-      <p:sp>
-        <p:nvSpPr>
-          <p:cNvPr id="6" name="文本框 5">
-            <a:extLst>
-              <a:ext uri="{FF2B5EF4-FFF2-40B4-BE49-F238E27FC236}">
-                <a16:creationId xmlns:a16="http://schemas.microsoft.com/office/drawing/2014/main" id="{CB42C416-3001-8DC4-320C-DB461027BEB4}"/>
-              </a:ext>
-            </a:extLst>
-          </p:cNvPr>
+            <a:endParaRPr lang="zh-CN" altLang="en-US">
+              <a:ea typeface="宋体"/>
+              <a:cs typeface="Calibri"/>
+            </a:endParaRPr>
+          </a:p>
+        </p:txBody>
+      </p:sp>
+      <p:sp>
+        <p:nvSpPr>
+          <p:cNvPr id="6" name="文本框 5"/>
           <p:cNvSpPr txBox="1"/>
           <p:nvPr/>
         </p:nvSpPr>
@@ -4508,9 +4859,6 @@
         </p:style>
         <p:txBody>
           <a:bodyPr rot="0" spcFirstLastPara="0" vertOverflow="overflow" horzOverflow="overflow" vert="horz" wrap="square" lIns="91440" tIns="45720" rIns="91440" bIns="45720" numCol="1" spcCol="0" rtlCol="0" fromWordArt="0" anchor="t" anchorCtr="0" forceAA="0" compatLnSpc="1">
-            <a:prstTxWarp prst="textNoShape">
-              <a:avLst/>
-            </a:prstTxWarp>
             <a:spAutoFit/>
           </a:bodyPr>
           <a:lstStyle/>
@@ -4522,6 +4870,10 @@
               </a:rPr>
               <a:t>附加额外功能：</a:t>
             </a:r>
+            <a:endParaRPr lang="zh-CN" altLang="en-US">
+              <a:ea typeface="宋体"/>
+              <a:cs typeface="Calibri"/>
+            </a:endParaRPr>
           </a:p>
           <a:p>
             <a:pPr marL="342900" indent="-342900">
@@ -4595,13 +4947,7 @@
       </p:sp>
       <p:sp>
         <p:nvSpPr>
-          <p:cNvPr id="8" name="文本框 7">
-            <a:extLst>
-              <a:ext uri="{FF2B5EF4-FFF2-40B4-BE49-F238E27FC236}">
-                <a16:creationId xmlns:a16="http://schemas.microsoft.com/office/drawing/2014/main" id="{AAAFE8AB-A8DA-9579-3654-9F1D8AC321A8}"/>
-              </a:ext>
-            </a:extLst>
-          </p:cNvPr>
+          <p:cNvPr id="8" name="文本框 7"/>
           <p:cNvSpPr txBox="1"/>
           <p:nvPr/>
         </p:nvSpPr>
@@ -4630,9 +4976,6 @@
         </p:style>
         <p:txBody>
           <a:bodyPr rot="0" spcFirstLastPara="0" vertOverflow="overflow" horzOverflow="overflow" vert="horz" wrap="square" lIns="91440" tIns="45720" rIns="91440" bIns="45720" numCol="1" spcCol="0" rtlCol="0" fromWordArt="0" anchor="t" anchorCtr="0" forceAA="0" compatLnSpc="1">
-            <a:prstTxWarp prst="textNoShape">
-              <a:avLst/>
-            </a:prstTxWarp>
             <a:spAutoFit/>
           </a:bodyPr>
           <a:lstStyle/>
@@ -4657,18 +5000,13 @@
               <a:rPr lang="zh-CN" altLang="en-US"/>
               <a:t>页面设计、编码；</a:t>
             </a:r>
+            <a:endParaRPr lang="zh-CN" altLang="en-US"/>
           </a:p>
         </p:txBody>
       </p:sp>
       <p:grpSp>
         <p:nvGrpSpPr>
-          <p:cNvPr id="16" name="组合 15">
-            <a:extLst>
-              <a:ext uri="{FF2B5EF4-FFF2-40B4-BE49-F238E27FC236}">
-                <a16:creationId xmlns:a16="http://schemas.microsoft.com/office/drawing/2014/main" id="{0EF72D92-6A33-9EB9-CBBA-1B65F9E383A3}"/>
-              </a:ext>
-            </a:extLst>
-          </p:cNvPr>
+          <p:cNvPr id="16" name="组合 15"/>
           <p:cNvGrpSpPr/>
           <p:nvPr/>
         </p:nvGrpSpPr>
@@ -4682,13 +5020,7 @@
         </p:grpSpPr>
         <p:sp>
           <p:nvSpPr>
-            <p:cNvPr id="7" name="文本框 6">
-              <a:extLst>
-                <a:ext uri="{FF2B5EF4-FFF2-40B4-BE49-F238E27FC236}">
-                  <a16:creationId xmlns:a16="http://schemas.microsoft.com/office/drawing/2014/main" id="{4C58B17E-66FD-CC01-3281-92695436127F}"/>
-                </a:ext>
-              </a:extLst>
-            </p:cNvPr>
+            <p:cNvPr id="7" name="文本框 6"/>
             <p:cNvSpPr txBox="1"/>
             <p:nvPr/>
           </p:nvSpPr>
@@ -4717,9 +5049,6 @@
           </p:style>
           <p:txBody>
             <a:bodyPr rot="0" spcFirstLastPara="0" vertOverflow="overflow" horzOverflow="overflow" vert="horz" wrap="square" lIns="91440" tIns="45720" rIns="91440" bIns="45720" numCol="1" spcCol="0" rtlCol="0" fromWordArt="0" anchor="t" anchorCtr="0" forceAA="0" compatLnSpc="1">
-              <a:prstTxWarp prst="textNoShape">
-                <a:avLst/>
-              </a:prstTxWarp>
               <a:spAutoFit/>
             </a:bodyPr>
             <a:lstStyle/>
@@ -4731,6 +5060,10 @@
                 </a:rPr>
                 <a:t>硬件：</a:t>
               </a:r>
+              <a:endParaRPr lang="zh-CN" altLang="en-US">
+                <a:ea typeface="宋体"/>
+                <a:cs typeface="+mn-lt"/>
+              </a:endParaRPr>
             </a:p>
             <a:p>
               <a:pPr marL="342900" indent="-342900">
@@ -4743,6 +5076,10 @@
                 </a:rPr>
                 <a:t>树莓派</a:t>
               </a:r>
+              <a:endParaRPr lang="zh-CN" altLang="en-US">
+                <a:ea typeface="宋体"/>
+                <a:cs typeface="+mn-lt"/>
+              </a:endParaRPr>
             </a:p>
             <a:p>
               <a:pPr marL="342900" indent="-342900">
@@ -4755,6 +5092,10 @@
                 </a:rPr>
                 <a:t>摄像机</a:t>
               </a:r>
+              <a:endParaRPr lang="zh-CN" altLang="en-US">
+                <a:ea typeface="宋体"/>
+                <a:cs typeface="+mn-lt"/>
+              </a:endParaRPr>
             </a:p>
             <a:p>
               <a:pPr marL="342900" indent="-342900">
@@ -4767,6 +5108,10 @@
                 </a:rPr>
                 <a:t>面包板</a:t>
               </a:r>
+              <a:endParaRPr lang="zh-CN" altLang="en-US">
+                <a:ea typeface="宋体"/>
+                <a:cs typeface="+mn-lt"/>
+              </a:endParaRPr>
             </a:p>
             <a:p>
               <a:pPr marL="342900" indent="-342900">
@@ -4799,6 +5144,10 @@
                 </a:rPr>
                 <a:t>：</a:t>
               </a:r>
+              <a:endParaRPr lang="en-US" altLang="zh-CN">
+                <a:ea typeface="宋体"/>
+                <a:cs typeface="Calibri"/>
+              </a:endParaRPr>
             </a:p>
             <a:p>
               <a:endParaRPr lang="zh-CN" altLang="en-US">
@@ -4840,20 +5189,14 @@
         </p:sp>
         <p:pic>
           <p:nvPicPr>
-            <p:cNvPr id="9" name="图片 9" descr="图示&#10;&#10;已自动生成说明">
-              <a:extLst>
-                <a:ext uri="{FF2B5EF4-FFF2-40B4-BE49-F238E27FC236}">
-                  <a16:creationId xmlns:a16="http://schemas.microsoft.com/office/drawing/2014/main" id="{BABBEA5C-2F40-B3D6-E264-7C755A9AE96E}"/>
-                </a:ext>
-              </a:extLst>
-            </p:cNvPr>
+            <p:cNvPr id="9" name="图片 9" descr="图示&#10;&#10;已自动生成说明"/>
             <p:cNvPicPr>
               <a:picLocks noChangeAspect="1"/>
             </p:cNvPicPr>
             <p:nvPr/>
           </p:nvPicPr>
           <p:blipFill>
-            <a:blip r:embed="rId2"/>
+            <a:blip r:embed="rId1"/>
             <a:stretch>
               <a:fillRect/>
             </a:stretch>
@@ -4871,13 +5214,7 @@
       </p:grpSp>
       <p:grpSp>
         <p:nvGrpSpPr>
-          <p:cNvPr id="19" name="组合 18">
-            <a:extLst>
-              <a:ext uri="{FF2B5EF4-FFF2-40B4-BE49-F238E27FC236}">
-                <a16:creationId xmlns:a16="http://schemas.microsoft.com/office/drawing/2014/main" id="{01808B1F-B408-14DB-B693-00788FA1AE80}"/>
-              </a:ext>
-            </a:extLst>
-          </p:cNvPr>
+          <p:cNvPr id="19" name="组合 18"/>
           <p:cNvGrpSpPr/>
           <p:nvPr/>
         </p:nvGrpSpPr>
@@ -4891,13 +5228,7 @@
         </p:grpSpPr>
         <p:grpSp>
           <p:nvGrpSpPr>
-            <p:cNvPr id="18" name="组合 17">
-              <a:extLst>
-                <a:ext uri="{FF2B5EF4-FFF2-40B4-BE49-F238E27FC236}">
-                  <a16:creationId xmlns:a16="http://schemas.microsoft.com/office/drawing/2014/main" id="{ACDE5960-65F3-114C-97C6-97BD1E3FE8E8}"/>
-                </a:ext>
-              </a:extLst>
-            </p:cNvPr>
+            <p:cNvPr id="18" name="组合 17"/>
             <p:cNvGrpSpPr/>
             <p:nvPr/>
           </p:nvGrpSpPr>
@@ -4911,13 +5242,7 @@
           </p:grpSpPr>
           <p:sp>
             <p:nvSpPr>
-              <p:cNvPr id="17" name="矩形 16">
-                <a:extLst>
-                  <a:ext uri="{FF2B5EF4-FFF2-40B4-BE49-F238E27FC236}">
-                    <a16:creationId xmlns:a16="http://schemas.microsoft.com/office/drawing/2014/main" id="{269F2D6B-F0D6-C0F2-B89C-BC06D75AFDDE}"/>
-                  </a:ext>
-                </a:extLst>
-              </p:cNvPr>
+              <p:cNvPr id="17" name="矩形 16"/>
               <p:cNvSpPr/>
               <p:nvPr/>
             </p:nvSpPr>
@@ -4955,13 +5280,7 @@
           </p:sp>
           <p:sp>
             <p:nvSpPr>
-              <p:cNvPr id="10" name="文本框 9">
-                <a:extLst>
-                  <a:ext uri="{FF2B5EF4-FFF2-40B4-BE49-F238E27FC236}">
-                    <a16:creationId xmlns:a16="http://schemas.microsoft.com/office/drawing/2014/main" id="{FBF33CE5-0B91-84A8-9674-6E8E2AAAC700}"/>
-                  </a:ext>
-                </a:extLst>
-              </p:cNvPr>
+              <p:cNvPr id="10" name="文本框 9"/>
               <p:cNvSpPr txBox="1"/>
               <p:nvPr/>
             </p:nvSpPr>
@@ -4990,9 +5309,6 @@
             </p:style>
             <p:txBody>
               <a:bodyPr rot="0" spcFirstLastPara="0" vertOverflow="overflow" horzOverflow="overflow" vert="horz" wrap="square" lIns="91440" tIns="45720" rIns="91440" bIns="45720" numCol="1" spcCol="0" rtlCol="0" fromWordArt="0" anchor="t" anchorCtr="0" forceAA="0" compatLnSpc="1">
-                <a:prstTxWarp prst="textNoShape">
-                  <a:avLst/>
-                </a:prstTxWarp>
                 <a:spAutoFit/>
               </a:bodyPr>
               <a:lstStyle/>
@@ -5039,18 +5355,16 @@
                   </a:rPr>
                   <a:t>相机视频流</a:t>
                 </a:r>
+                <a:endParaRPr lang="zh-CN" altLang="en-US">
+                  <a:ea typeface="宋体"/>
+                  <a:cs typeface="Calibri"/>
+                </a:endParaRPr>
               </a:p>
             </p:txBody>
           </p:sp>
           <p:sp>
             <p:nvSpPr>
-              <p:cNvPr id="11" name="文本框 10">
-                <a:extLst>
-                  <a:ext uri="{FF2B5EF4-FFF2-40B4-BE49-F238E27FC236}">
-                    <a16:creationId xmlns:a16="http://schemas.microsoft.com/office/drawing/2014/main" id="{76A3C1C9-7719-E7AC-A057-6B28E558D0A7}"/>
-                  </a:ext>
-                </a:extLst>
-              </p:cNvPr>
+              <p:cNvPr id="11" name="文本框 10"/>
               <p:cNvSpPr txBox="1"/>
               <p:nvPr/>
             </p:nvSpPr>
@@ -5079,9 +5393,6 @@
             </p:style>
             <p:txBody>
               <a:bodyPr rot="0" spcFirstLastPara="0" vertOverflow="overflow" horzOverflow="overflow" vert="horz" wrap="square" lIns="91440" tIns="45720" rIns="91440" bIns="45720" numCol="1" spcCol="0" rtlCol="0" fromWordArt="0" anchor="t" anchorCtr="0" forceAA="0" compatLnSpc="1">
-                <a:prstTxWarp prst="textNoShape">
-                  <a:avLst/>
-                </a:prstTxWarp>
                 <a:spAutoFit/>
               </a:bodyPr>
               <a:lstStyle/>
@@ -5128,18 +5439,16 @@
                   </a:rPr>
                   <a:t>GPS坐标</a:t>
                 </a:r>
+                <a:endParaRPr lang="zh-CN" altLang="en-US">
+                  <a:ea typeface="宋体"/>
+                  <a:cs typeface="Calibri"/>
+                </a:endParaRPr>
               </a:p>
             </p:txBody>
           </p:sp>
           <p:sp>
             <p:nvSpPr>
-              <p:cNvPr id="12" name="文本框 11">
-                <a:extLst>
-                  <a:ext uri="{FF2B5EF4-FFF2-40B4-BE49-F238E27FC236}">
-                    <a16:creationId xmlns:a16="http://schemas.microsoft.com/office/drawing/2014/main" id="{C95944EF-7BAF-2BC3-8241-EF587633E3C8}"/>
-                  </a:ext>
-                </a:extLst>
-              </p:cNvPr>
+              <p:cNvPr id="12" name="文本框 11"/>
               <p:cNvSpPr txBox="1"/>
               <p:nvPr/>
             </p:nvSpPr>
@@ -5168,9 +5477,6 @@
             </p:style>
             <p:txBody>
               <a:bodyPr rot="0" spcFirstLastPara="0" vertOverflow="overflow" horzOverflow="overflow" vert="horz" wrap="square" lIns="91440" tIns="45720" rIns="91440" bIns="45720" numCol="1" spcCol="0" rtlCol="0" fromWordArt="0" anchor="t" anchorCtr="0" forceAA="0" compatLnSpc="1">
-                <a:prstTxWarp prst="textNoShape">
-                  <a:avLst/>
-                </a:prstTxWarp>
                 <a:spAutoFit/>
               </a:bodyPr>
               <a:lstStyle/>
@@ -5218,7 +5524,7 @@
                   <a:t>深度学习模型（hao）</a:t>
                 </a:r>
                 <a:endParaRPr lang="zh-CN">
-                  <a:ea typeface="宋体" panose="02010600030101010101" pitchFamily="2" charset="-122"/>
+                  <a:ea typeface="宋体" pitchFamily="2" charset="-122"/>
                   <a:cs typeface="Calibri"/>
                 </a:endParaRPr>
               </a:p>
@@ -5226,13 +5532,7 @@
           </p:sp>
           <p:sp>
             <p:nvSpPr>
-              <p:cNvPr id="13" name="文本框 12">
-                <a:extLst>
-                  <a:ext uri="{FF2B5EF4-FFF2-40B4-BE49-F238E27FC236}">
-                    <a16:creationId xmlns:a16="http://schemas.microsoft.com/office/drawing/2014/main" id="{7CC54501-FE97-B7B3-E8BA-8BC1AD5B6BF5}"/>
-                  </a:ext>
-                </a:extLst>
-              </p:cNvPr>
+              <p:cNvPr id="13" name="文本框 12"/>
               <p:cNvSpPr txBox="1"/>
               <p:nvPr/>
             </p:nvSpPr>
@@ -5261,9 +5561,6 @@
             </p:style>
             <p:txBody>
               <a:bodyPr rot="0" spcFirstLastPara="0" vertOverflow="overflow" horzOverflow="overflow" vert="horz" wrap="square" lIns="91440" tIns="45720" rIns="91440" bIns="45720" numCol="1" spcCol="0" rtlCol="0" fromWordArt="0" anchor="t" anchorCtr="0" forceAA="0" compatLnSpc="1">
-                <a:prstTxWarp prst="textNoShape">
-                  <a:avLst/>
-                </a:prstTxWarp>
                 <a:spAutoFit/>
               </a:bodyPr>
               <a:lstStyle/>
@@ -5326,13 +5623,7 @@
           </p:sp>
           <p:sp>
             <p:nvSpPr>
-              <p:cNvPr id="15" name="文本框 14">
-                <a:extLst>
-                  <a:ext uri="{FF2B5EF4-FFF2-40B4-BE49-F238E27FC236}">
-                    <a16:creationId xmlns:a16="http://schemas.microsoft.com/office/drawing/2014/main" id="{5385F792-0546-A33B-5846-50C8BD218F5E}"/>
-                  </a:ext>
-                </a:extLst>
-              </p:cNvPr>
+              <p:cNvPr id="15" name="文本框 14"/>
               <p:cNvSpPr txBox="1"/>
               <p:nvPr/>
             </p:nvSpPr>
@@ -5361,9 +5652,6 @@
             </p:style>
             <p:txBody>
               <a:bodyPr rot="0" spcFirstLastPara="0" vertOverflow="overflow" horzOverflow="overflow" vert="horz" wrap="square" lIns="91440" tIns="45720" rIns="91440" bIns="45720" numCol="1" spcCol="0" rtlCol="0" fromWordArt="0" anchor="t" anchorCtr="0" forceAA="0" compatLnSpc="1">
-                <a:prstTxWarp prst="textNoShape">
-                  <a:avLst/>
-                </a:prstTxWarp>
                 <a:spAutoFit/>
               </a:bodyPr>
               <a:lstStyle/>
@@ -5375,19 +5663,17 @@
                   </a:rPr>
                   <a:t>IN：6.图片预处理参数</a:t>
                 </a:r>
+                <a:endParaRPr lang="zh-CN" altLang="en-US">
+                  <a:ea typeface="宋体"/>
+                  <a:cs typeface="Calibri"/>
+                </a:endParaRPr>
               </a:p>
             </p:txBody>
           </p:sp>
         </p:grpSp>
         <p:sp>
           <p:nvSpPr>
-            <p:cNvPr id="14" name="文本框 13">
-              <a:extLst>
-                <a:ext uri="{FF2B5EF4-FFF2-40B4-BE49-F238E27FC236}">
-                  <a16:creationId xmlns:a16="http://schemas.microsoft.com/office/drawing/2014/main" id="{EF63E0FE-9EB5-5D59-0603-552A81C21EEE}"/>
-                </a:ext>
-              </a:extLst>
-            </p:cNvPr>
+            <p:cNvPr id="14" name="文本框 13"/>
             <p:cNvSpPr txBox="1"/>
             <p:nvPr/>
           </p:nvSpPr>
@@ -5416,9 +5702,6 @@
           </p:style>
           <p:txBody>
             <a:bodyPr rot="0" spcFirstLastPara="0" vertOverflow="overflow" horzOverflow="overflow" vert="horz" wrap="square" lIns="91440" tIns="45720" rIns="91440" bIns="45720" numCol="1" spcCol="0" rtlCol="0" fromWordArt="0" anchor="t" anchorCtr="0" forceAA="0" compatLnSpc="1">
-              <a:prstTxWarp prst="textNoShape">
-                <a:avLst/>
-              </a:prstTxWarp>
               <a:spAutoFit/>
             </a:bodyPr>
             <a:lstStyle/>
@@ -5467,11 +5750,6 @@
         </p:sp>
       </p:grpSp>
     </p:spTree>
-    <p:extLst>
-      <p:ext uri="{BB962C8B-B14F-4D97-AF65-F5344CB8AC3E}">
-        <p14:creationId xmlns:p14="http://schemas.microsoft.com/office/powerpoint/2010/main" val="662812510"/>
-      </p:ext>
-    </p:extLst>
   </p:cSld>
   <p:clrMapOvr>
     <a:masterClrMapping/>
@@ -5498,13 +5776,7 @@
       </p:grpSpPr>
       <p:sp>
         <p:nvSpPr>
-          <p:cNvPr id="4" name="文本框 3">
-            <a:extLst>
-              <a:ext uri="{FF2B5EF4-FFF2-40B4-BE49-F238E27FC236}">
-                <a16:creationId xmlns:a16="http://schemas.microsoft.com/office/drawing/2014/main" id="{8349E5D6-A824-DD7F-10A4-4DFFDB39CD27}"/>
-              </a:ext>
-            </a:extLst>
-          </p:cNvPr>
+          <p:cNvPr id="4" name="文本框 3"/>
           <p:cNvSpPr txBox="1"/>
           <p:nvPr/>
         </p:nvSpPr>
@@ -5520,9 +5792,6 @@
         </p:spPr>
         <p:txBody>
           <a:bodyPr rot="0" spcFirstLastPara="0" vertOverflow="overflow" horzOverflow="overflow" vert="horz" wrap="square" lIns="91440" tIns="45720" rIns="91440" bIns="45720" numCol="1" spcCol="0" rtlCol="0" fromWordArt="0" anchor="t" anchorCtr="0" forceAA="0" compatLnSpc="1">
-            <a:prstTxWarp prst="textNoShape">
-              <a:avLst/>
-            </a:prstTxWarp>
             <a:spAutoFit/>
           </a:bodyPr>
           <a:lstStyle/>
@@ -5538,6 +5807,13 @@
               </a:rPr>
               <a:t>一、开机启动：</a:t>
             </a:r>
+            <a:endParaRPr lang="zh-CN" altLang="en-US" sz="2400" b="1">
+              <a:highlight>
+                <a:srgbClr val="FFFF00"/>
+              </a:highlight>
+              <a:ea typeface="宋体"/>
+              <a:cs typeface="Calibri"/>
+            </a:endParaRPr>
           </a:p>
           <a:p>
             <a:r>
@@ -5570,7 +5846,7 @@
           </a:p>
           <a:p>
             <a:pPr marL="285750" indent="-285750">
-              <a:buFont typeface="Arial"/>
+              <a:buFont typeface="Arial" panose="020B0604020202020204"/>
               <a:buChar char="•"/>
             </a:pPr>
             <a:r>
@@ -5653,7 +5929,7 @@
           </a:p>
           <a:p>
             <a:pPr marL="285750" indent="-285750">
-              <a:buFont typeface="Arial"/>
+              <a:buFont typeface="Arial" panose="020B0604020202020204"/>
               <a:buChar char="•"/>
             </a:pPr>
             <a:r>
@@ -5696,7 +5972,7 @@
           </a:p>
           <a:p>
             <a:pPr marL="285750" indent="-285750">
-              <a:buFont typeface="Arial"/>
+              <a:buFont typeface="Arial" panose="020B0604020202020204"/>
               <a:buChar char="•"/>
             </a:pPr>
             <a:r>
@@ -5739,7 +6015,7 @@
           </a:p>
           <a:p>
             <a:pPr marL="285750" indent="-285750">
-              <a:buFont typeface="Arial"/>
+              <a:buFont typeface="Arial" panose="020B0604020202020204"/>
               <a:buChar char="•"/>
             </a:pPr>
             <a:r>
@@ -5772,7 +6048,7 @@
           </a:p>
           <a:p>
             <a:pPr marL="285750" indent="-285750">
-              <a:buFont typeface="Arial"/>
+              <a:buFont typeface="Arial" panose="020B0604020202020204"/>
               <a:buChar char="•"/>
             </a:pPr>
             <a:r>
@@ -5801,6 +6077,10 @@
               </a:rPr>
               <a:t>（项目：指配置不同的模型。如识别路面，如识别苹果）</a:t>
             </a:r>
+            <a:endParaRPr lang="zh-CN" altLang="en-US">
+              <a:ea typeface="宋体"/>
+              <a:cs typeface="Calibri"/>
+            </a:endParaRPr>
           </a:p>
           <a:p>
             <a:r>
@@ -5810,6 +6090,10 @@
               </a:rPr>
               <a:t>增删改查</a:t>
             </a:r>
+            <a:endParaRPr lang="zh-CN" altLang="en-US">
+              <a:ea typeface="宋体"/>
+              <a:cs typeface="+mn-lt"/>
+            </a:endParaRPr>
           </a:p>
           <a:p>
             <a:r>
@@ -5911,6 +6195,16 @@
               </a:rPr>
               <a:t>（配对深度学习模型）</a:t>
             </a:r>
+            <a:endParaRPr lang="zh-CN">
+              <a:solidFill>
+                <a:srgbClr val="000000"/>
+              </a:solidFill>
+              <a:highlight>
+                <a:srgbClr val="C0C0C0"/>
+              </a:highlight>
+              <a:ea typeface="宋体"/>
+              <a:cs typeface="+mn-lt"/>
+            </a:endParaRPr>
           </a:p>
           <a:p>
             <a:pPr>
@@ -6020,6 +6314,16 @@
               </a:rPr>
               <a:t>显示带识别框的图片；</a:t>
             </a:r>
+            <a:endParaRPr lang="zh-CN" altLang="en-US">
+              <a:solidFill>
+                <a:srgbClr val="000000"/>
+              </a:solidFill>
+              <a:highlight>
+                <a:srgbClr val="C0C0C0"/>
+              </a:highlight>
+              <a:ea typeface="宋体"/>
+              <a:cs typeface="+mn-lt"/>
+            </a:endParaRPr>
           </a:p>
           <a:p>
             <a:pPr marL="1097280">
@@ -6083,6 +6387,16 @@
               </a:rPr>
               <a:t>度、尺寸大小）</a:t>
             </a:r>
+            <a:endParaRPr lang="zh-CN">
+              <a:solidFill>
+                <a:srgbClr val="000000"/>
+              </a:solidFill>
+              <a:highlight>
+                <a:srgbClr val="C0C0C0"/>
+              </a:highlight>
+              <a:ea typeface="宋体"/>
+              <a:cs typeface="+mn-lt"/>
+            </a:endParaRPr>
           </a:p>
           <a:p>
             <a:pPr marL="1097280">
@@ -6108,7 +6422,7 @@
               <a:t>发送文本报告到邮箱</a:t>
             </a:r>
             <a:endParaRPr lang="zh-CN">
-              <a:cs typeface="Calibri" panose="020F0502020204030204"/>
+              <a:cs typeface="Calibri"/>
             </a:endParaRPr>
           </a:p>
           <a:p>
@@ -6131,6 +6445,13 @@
               </a:rPr>
               <a:t>日志</a:t>
             </a:r>
+            <a:endParaRPr lang="zh-CN" altLang="en-US">
+              <a:solidFill>
+                <a:srgbClr val="000000"/>
+              </a:solidFill>
+              <a:ea typeface="宋体"/>
+              <a:cs typeface="+mn-lt"/>
+            </a:endParaRPr>
           </a:p>
           <a:p>
             <a:pPr>
@@ -6175,7 +6496,7 @@
               <a:t>：是否需要保持原完整记录视频或仅保留有缺陷的视频，或不保留任何视频</a:t>
             </a:r>
             <a:endParaRPr lang="zh-CN">
-              <a:cs typeface="Calibri" panose="020F0502020204030204"/>
+              <a:cs typeface="Calibri"/>
             </a:endParaRPr>
           </a:p>
           <a:p>
@@ -6367,20 +6688,14 @@
       </p:sp>
       <p:pic>
         <p:nvPicPr>
-          <p:cNvPr id="5" name="图片 5" descr="图片包含 图示&#10;&#10;已自动生成说明">
-            <a:extLst>
-              <a:ext uri="{FF2B5EF4-FFF2-40B4-BE49-F238E27FC236}">
-                <a16:creationId xmlns:a16="http://schemas.microsoft.com/office/drawing/2014/main" id="{C1DE1656-ADBF-E6F4-F02A-D5EB6B373DB9}"/>
-              </a:ext>
-            </a:extLst>
-          </p:cNvPr>
+          <p:cNvPr id="5" name="图片 5" descr="图片包含 图示&#10;&#10;已自动生成说明"/>
           <p:cNvPicPr>
             <a:picLocks noChangeAspect="1"/>
           </p:cNvPicPr>
           <p:nvPr/>
         </p:nvPicPr>
         <p:blipFill>
-          <a:blip r:embed="rId2"/>
+          <a:blip r:embed="rId1"/>
           <a:stretch>
             <a:fillRect/>
           </a:stretch>
@@ -6396,11 +6711,6 @@
         </p:spPr>
       </p:pic>
     </p:spTree>
-    <p:extLst>
-      <p:ext uri="{BB962C8B-B14F-4D97-AF65-F5344CB8AC3E}">
-        <p14:creationId xmlns:p14="http://schemas.microsoft.com/office/powerpoint/2010/main" val="324524718"/>
-      </p:ext>
-    </p:extLst>
   </p:cSld>
   <p:clrMapOvr>
     <a:masterClrMapping/>
@@ -6427,13 +6737,7 @@
       </p:grpSpPr>
       <p:sp>
         <p:nvSpPr>
-          <p:cNvPr id="4" name="文本框 3">
-            <a:extLst>
-              <a:ext uri="{FF2B5EF4-FFF2-40B4-BE49-F238E27FC236}">
-                <a16:creationId xmlns:a16="http://schemas.microsoft.com/office/drawing/2014/main" id="{8349E5D6-A824-DD7F-10A4-4DFFDB39CD27}"/>
-              </a:ext>
-            </a:extLst>
-          </p:cNvPr>
+          <p:cNvPr id="4" name="文本框 3"/>
           <p:cNvSpPr txBox="1"/>
           <p:nvPr/>
         </p:nvSpPr>
@@ -6449,9 +6753,6 @@
         </p:spPr>
         <p:txBody>
           <a:bodyPr rot="0" spcFirstLastPara="0" vertOverflow="overflow" horzOverflow="overflow" vert="horz" wrap="square" lIns="91440" tIns="45720" rIns="91440" bIns="45720" numCol="1" spcCol="0" rtlCol="0" fromWordArt="0" anchor="t" anchorCtr="0" forceAA="0" compatLnSpc="1">
-            <a:prstTxWarp prst="textNoShape">
-              <a:avLst/>
-            </a:prstTxWarp>
             <a:spAutoFit/>
           </a:bodyPr>
           <a:lstStyle/>
@@ -6463,6 +6764,10 @@
               </a:rPr>
               <a:t>原型图</a:t>
             </a:r>
+            <a:endParaRPr lang="zh-CN" altLang="en-US" b="1">
+              <a:ea typeface="宋体"/>
+              <a:cs typeface="Calibri"/>
+            </a:endParaRPr>
           </a:p>
           <a:p>
             <a:endParaRPr lang="zh-CN" altLang="en-US" b="1" dirty="0">
@@ -6481,6 +6786,10 @@
               </a:rPr>
               <a:t>菜单栏：</a:t>
             </a:r>
+            <a:endParaRPr lang="zh-CN" altLang="en-US" sz="1400" b="1">
+              <a:ea typeface="宋体"/>
+              <a:cs typeface="+mn-lt"/>
+            </a:endParaRPr>
           </a:p>
           <a:p>
             <a:r>
@@ -6490,6 +6799,10 @@
               </a:rPr>
               <a:t>1.新建项目</a:t>
             </a:r>
+            <a:endParaRPr lang="zh-CN" altLang="en-US" sz="1400">
+              <a:ea typeface="宋体"/>
+              <a:cs typeface="+mn-lt"/>
+            </a:endParaRPr>
           </a:p>
           <a:p>
             <a:r>
@@ -6499,6 +6812,10 @@
               </a:rPr>
               <a:t>2.启动任务</a:t>
             </a:r>
+            <a:endParaRPr lang="zh-CN" altLang="en-US" sz="1400">
+              <a:ea typeface="宋体"/>
+              <a:cs typeface="+mn-lt"/>
+            </a:endParaRPr>
           </a:p>
           <a:p>
             <a:r>
@@ -6508,6 +6825,10 @@
               </a:rPr>
               <a:t>3.结束任务</a:t>
             </a:r>
+            <a:endParaRPr lang="zh-CN" altLang="en-US" sz="1400">
+              <a:ea typeface="宋体"/>
+              <a:cs typeface="+mn-lt"/>
+            </a:endParaRPr>
           </a:p>
           <a:p>
             <a:r>
@@ -6517,6 +6838,10 @@
               </a:rPr>
               <a:t>4.查看结果</a:t>
             </a:r>
+            <a:endParaRPr lang="zh-CN" altLang="en-US" sz="1400">
+              <a:ea typeface="宋体"/>
+              <a:cs typeface="+mn-lt"/>
+            </a:endParaRPr>
           </a:p>
           <a:p>
             <a:r>
@@ -6526,6 +6851,10 @@
               </a:rPr>
               <a:t>5.删除任务</a:t>
             </a:r>
+            <a:endParaRPr lang="zh-CN" altLang="en-US" sz="1400">
+              <a:ea typeface="宋体"/>
+              <a:cs typeface="+mn-lt"/>
+            </a:endParaRPr>
           </a:p>
           <a:p>
             <a:r>
@@ -6558,6 +6887,13 @@
               </a:rPr>
               <a:t>（不弹窗，空白处直接显示）</a:t>
             </a:r>
+            <a:endParaRPr lang="zh-CN" sz="1400" b="1">
+              <a:solidFill>
+                <a:srgbClr val="FF0000"/>
+              </a:solidFill>
+              <a:ea typeface="+mn-lt"/>
+              <a:cs typeface="+mn-lt"/>
+            </a:endParaRPr>
           </a:p>
           <a:p>
             <a:pPr>
@@ -6575,6 +6911,10 @@
               </a:rPr>
               <a:t>默认检测设置： 输入模型路径（配对深度学习模型）</a:t>
             </a:r>
+            <a:endParaRPr lang="zh-CN" altLang="en-US" sz="1400">
+              <a:ea typeface="宋体"/>
+              <a:cs typeface="+mn-lt"/>
+            </a:endParaRPr>
           </a:p>
           <a:p>
             <a:pPr>
@@ -6614,6 +6954,10 @@
               </a:rPr>
               <a:t>显示带识别框的图片；</a:t>
             </a:r>
+            <a:endParaRPr lang="zh-CN" altLang="en-US" sz="1400">
+              <a:ea typeface="宋体"/>
+              <a:cs typeface="+mn-lt"/>
+            </a:endParaRPr>
           </a:p>
           <a:p>
             <a:pPr marL="1097280" indent="-342900">
@@ -6632,6 +6976,10 @@
               </a:rPr>
               <a:t>检测结果：（类型、置信度、尺寸大小）</a:t>
             </a:r>
+            <a:endParaRPr lang="zh-CN" altLang="en-US" sz="1400">
+              <a:ea typeface="宋体"/>
+              <a:cs typeface="+mn-lt"/>
+            </a:endParaRPr>
           </a:p>
           <a:p>
             <a:pPr marL="1097280" indent="-342900">
@@ -6650,6 +6998,10 @@
               </a:rPr>
               <a:t>发送文本报告到邮箱</a:t>
             </a:r>
+            <a:endParaRPr lang="zh-CN" altLang="en-US" sz="1400">
+              <a:ea typeface="宋体"/>
+              <a:cs typeface="+mn-lt"/>
+            </a:endParaRPr>
           </a:p>
           <a:p>
             <a:pPr marL="1097280" indent="-342900">
@@ -6668,6 +7020,10 @@
               </a:rPr>
               <a:t>日志</a:t>
             </a:r>
+            <a:endParaRPr lang="zh-CN" altLang="en-US" sz="1400">
+              <a:ea typeface="宋体"/>
+              <a:cs typeface="+mn-lt"/>
+            </a:endParaRPr>
           </a:p>
           <a:p>
             <a:pPr>
@@ -6701,20 +7057,14 @@
       </p:sp>
       <p:pic>
         <p:nvPicPr>
-          <p:cNvPr id="5" name="图片 5" descr="图片包含 图示&#10;&#10;已自动生成说明">
-            <a:extLst>
-              <a:ext uri="{FF2B5EF4-FFF2-40B4-BE49-F238E27FC236}">
-                <a16:creationId xmlns:a16="http://schemas.microsoft.com/office/drawing/2014/main" id="{C1DE1656-ADBF-E6F4-F02A-D5EB6B373DB9}"/>
-              </a:ext>
-            </a:extLst>
-          </p:cNvPr>
+          <p:cNvPr id="5" name="图片 5" descr="图片包含 图示&#10;&#10;已自动生成说明"/>
           <p:cNvPicPr>
             <a:picLocks noChangeAspect="1"/>
           </p:cNvPicPr>
           <p:nvPr/>
         </p:nvPicPr>
         <p:blipFill>
-          <a:blip r:embed="rId2"/>
+          <a:blip r:embed="rId1"/>
           <a:stretch>
             <a:fillRect/>
           </a:stretch>
@@ -6731,13 +7081,7 @@
       </p:pic>
       <p:sp>
         <p:nvSpPr>
-          <p:cNvPr id="2" name="文本框 3">
-            <a:extLst>
-              <a:ext uri="{FF2B5EF4-FFF2-40B4-BE49-F238E27FC236}">
-                <a16:creationId xmlns:a16="http://schemas.microsoft.com/office/drawing/2014/main" id="{BE7ADAEE-4174-5898-6283-905D7410F9D5}"/>
-              </a:ext>
-            </a:extLst>
-          </p:cNvPr>
+          <p:cNvPr id="2" name="文本框 3"/>
           <p:cNvSpPr txBox="1"/>
           <p:nvPr/>
         </p:nvSpPr>
@@ -6753,9 +7097,6 @@
         </p:spPr>
         <p:txBody>
           <a:bodyPr rot="0" spcFirstLastPara="0" vertOverflow="overflow" horzOverflow="overflow" vert="horz" wrap="square" lIns="91440" tIns="45720" rIns="91440" bIns="45720" numCol="1" spcCol="0" rtlCol="0" fromWordArt="0" anchor="t" anchorCtr="0" forceAA="0" compatLnSpc="1">
-            <a:prstTxWarp prst="textNoShape">
-              <a:avLst/>
-            </a:prstTxWarp>
             <a:spAutoFit/>
           </a:bodyPr>
           <a:lstStyle/>
@@ -6799,7 +7140,7 @@
               <a:highlight>
                 <a:srgbClr val="FFFF00"/>
               </a:highlight>
-              <a:ea typeface="宋体" panose="02010600030101010101" pitchFamily="2" charset="-122"/>
+              <a:ea typeface="宋体" pitchFamily="2" charset="-122"/>
               <a:cs typeface="+mn-lt"/>
             </a:endParaRPr>
           </a:p>
@@ -6959,6 +7300,13 @@
               </a:rPr>
               <a:t>）</a:t>
             </a:r>
+            <a:endParaRPr lang="zh-CN" sz="1400" b="1">
+              <a:solidFill>
+                <a:srgbClr val="FF0000"/>
+              </a:solidFill>
+              <a:ea typeface="+mn-lt"/>
+              <a:cs typeface="+mn-lt"/>
+            </a:endParaRPr>
           </a:p>
           <a:p>
             <a:r>
@@ -7008,6 +7356,13 @@
               </a:rPr>
               <a:t>（嵌套在项目里？）</a:t>
             </a:r>
+            <a:endParaRPr lang="zh-CN" sz="1400" b="1">
+              <a:highlight>
+                <a:srgbClr val="FFFF00"/>
+              </a:highlight>
+              <a:ea typeface="+mn-lt"/>
+              <a:cs typeface="+mn-lt"/>
+            </a:endParaRPr>
           </a:p>
           <a:p>
             <a:pPr>
@@ -7086,6 +7441,10 @@
               </a:rPr>
               <a:t>是否上电自启动（默认上电不启动）；若有，则选择需自启动的任务（默认无）；</a:t>
             </a:r>
+            <a:endParaRPr lang="zh-CN" altLang="en-US" sz="1400">
+              <a:ea typeface="+mn-lt"/>
+              <a:cs typeface="+mn-lt"/>
+            </a:endParaRPr>
           </a:p>
           <a:p>
             <a:r>
@@ -7095,6 +7454,10 @@
               </a:rPr>
               <a:t>设置相机分辨率（默认为相机的分辨率）；</a:t>
             </a:r>
+            <a:endParaRPr lang="zh-CN" altLang="en-US" sz="1400">
+              <a:ea typeface="+mn-lt"/>
+              <a:cs typeface="+mn-lt"/>
+            </a:endParaRPr>
           </a:p>
           <a:p>
             <a:r>
@@ -7118,6 +7481,10 @@
               </a:rPr>
               <a:t>通信模式（串口、波特率）（默认为采购相机的参数）</a:t>
             </a:r>
+            <a:endParaRPr lang="zh-CN" altLang="en-US" sz="1400">
+              <a:ea typeface="+mn-lt"/>
+              <a:cs typeface="+mn-lt"/>
+            </a:endParaRPr>
           </a:p>
           <a:p>
             <a:r>
@@ -7127,6 +7494,10 @@
               </a:rPr>
               <a:t>外部触发*（默认无）</a:t>
             </a:r>
+            <a:endParaRPr lang="zh-CN" altLang="en-US" sz="1400">
+              <a:ea typeface="+mn-lt"/>
+              <a:cs typeface="+mn-lt"/>
+            </a:endParaRPr>
           </a:p>
           <a:p>
             <a:r>
@@ -7136,6 +7507,10 @@
               </a:rPr>
               <a:t>信号输出（默认无）</a:t>
             </a:r>
+            <a:endParaRPr lang="zh-CN" altLang="en-US" sz="1400">
+              <a:ea typeface="+mn-lt"/>
+              <a:cs typeface="+mn-lt"/>
+            </a:endParaRPr>
           </a:p>
           <a:p>
             <a:r>
@@ -7145,15 +7520,14 @@
               </a:rPr>
               <a:t>（项目：指配置不同的模型。如识别路面，如识别苹果）</a:t>
             </a:r>
+            <a:endParaRPr lang="zh-CN" altLang="en-US" sz="1400">
+              <a:ea typeface="宋体"/>
+              <a:cs typeface="Calibri"/>
+            </a:endParaRPr>
           </a:p>
         </p:txBody>
       </p:sp>
     </p:spTree>
-    <p:extLst>
-      <p:ext uri="{BB962C8B-B14F-4D97-AF65-F5344CB8AC3E}">
-        <p14:creationId xmlns:p14="http://schemas.microsoft.com/office/powerpoint/2010/main" val="3078530320"/>
-      </p:ext>
-    </p:extLst>
   </p:cSld>
   <p:clrMapOvr>
     <a:masterClrMapping/>
@@ -7204,7 +7578,7 @@
     </a:clrScheme>
     <a:fontScheme name="Office">
       <a:majorFont>
-        <a:latin typeface="Calibri Light" panose="020F0302020204030204"/>
+        <a:latin typeface="Calibri Light"/>
         <a:ea typeface=""/>
         <a:cs typeface=""/>
         <a:font script="Jpan" typeface="ＭＳ Ｐゴシック"/>
@@ -7239,7 +7613,7 @@
         <a:font script="Geor" typeface="Sylfaen"/>
       </a:majorFont>
       <a:minorFont>
-        <a:latin typeface="Calibri" panose="020F0502020204030204"/>
+        <a:latin typeface="Calibri"/>
         <a:ea typeface=""/>
         <a:cs typeface=""/>
         <a:font script="Jpan" typeface="ＭＳ Ｐゴシック"/>
@@ -7412,194 +7786,10 @@
       </a:bgFillStyleLst>
     </a:fmtScheme>
   </a:themeElements>
-  <a:objectDefaults/>
-  <a:extraClrSchemeLst/>
   <a:extLst>
     <a:ext uri="{05A4C25C-085E-4340-85A3-A5531E510DB2}">
       <thm15:themeFamily xmlns:thm15="http://schemas.microsoft.com/office/thememl/2012/main" name="Office Theme" id="{62F939B6-93AF-4DB8-9C6B-D6C7DFDC589F}" vid="{4A3C46E8-61CC-4603-A589-7422A47A8E4A}"/>
     </a:ext>
   </a:extLst>
 </a:theme>
-</file>
-
-<file path=customXml/item1.xml><?xml version="1.0" encoding="utf-8"?>
-<?mso-contentType ?>
-<FormTemplates xmlns="http://schemas.microsoft.com/sharepoint/v3/contenttype/forms">
-  <Display>DocumentLibraryForm</Display>
-  <Edit>DocumentLibraryForm</Edit>
-  <New>DocumentLibraryForm</New>
-</FormTemplates>
-</file>
-
-<file path=customXml/item2.xml><?xml version="1.0" encoding="utf-8"?>
-<p:properties xmlns:p="http://schemas.microsoft.com/office/2006/metadata/properties" xmlns:xsi="http://www.w3.org/2001/XMLSchema-instance" xmlns:pc="http://schemas.microsoft.com/office/infopath/2007/PartnerControls">
-  <documentManagement/>
-</p:properties>
-</file>
-
-<file path=customXml/item3.xml><?xml version="1.0" encoding="utf-8"?>
-<ct:contentTypeSchema xmlns:ct="http://schemas.microsoft.com/office/2006/metadata/contentType" xmlns:ma="http://schemas.microsoft.com/office/2006/metadata/properties/metaAttributes" ct:_="" ma:_="" ma:contentTypeName="Document" ma:contentTypeID="0x010100F2AB421C9110224AA02A18D8D10E16F5" ma:contentTypeVersion="2" ma:contentTypeDescription="Create a new document." ma:contentTypeScope="" ma:versionID="cbb88699c37bb8b6255bc79f16f55f64">
-  <xsd:schema xmlns:xsd="http://www.w3.org/2001/XMLSchema" xmlns:xs="http://www.w3.org/2001/XMLSchema" xmlns:p="http://schemas.microsoft.com/office/2006/metadata/properties" xmlns:ns2="388971c7-f163-48c6-ac2a-a72ef385c425" targetNamespace="http://schemas.microsoft.com/office/2006/metadata/properties" ma:root="true" ma:fieldsID="e3a4148570fc6928027d9d3847b5d9e0" ns2:_="">
-    <xsd:import namespace="388971c7-f163-48c6-ac2a-a72ef385c425"/>
-    <xsd:element name="properties">
-      <xsd:complexType>
-        <xsd:sequence>
-          <xsd:element name="documentManagement">
-            <xsd:complexType>
-              <xsd:all>
-                <xsd:element ref="ns2:MediaServiceMetadata" minOccurs="0"/>
-                <xsd:element ref="ns2:MediaServiceFastMetadata" minOccurs="0"/>
-              </xsd:all>
-            </xsd:complexType>
-          </xsd:element>
-        </xsd:sequence>
-      </xsd:complexType>
-    </xsd:element>
-  </xsd:schema>
-  <xsd:schema xmlns:xsd="http://www.w3.org/2001/XMLSchema" xmlns:xs="http://www.w3.org/2001/XMLSchema" xmlns:dms="http://schemas.microsoft.com/office/2006/documentManagement/types" xmlns:pc="http://schemas.microsoft.com/office/infopath/2007/PartnerControls" targetNamespace="388971c7-f163-48c6-ac2a-a72ef385c425" elementFormDefault="qualified">
-    <xsd:import namespace="http://schemas.microsoft.com/office/2006/documentManagement/types"/>
-    <xsd:import namespace="http://schemas.microsoft.com/office/infopath/2007/PartnerControls"/>
-    <xsd:element name="MediaServiceMetadata" ma:index="8" nillable="true" ma:displayName="MediaServiceMetadata" ma:hidden="true" ma:internalName="MediaServiceMetadata" ma:readOnly="true">
-      <xsd:simpleType>
-        <xsd:restriction base="dms:Note"/>
-      </xsd:simpleType>
-    </xsd:element>
-    <xsd:element name="MediaServiceFastMetadata" ma:index="9" nillable="true" ma:displayName="MediaServiceFastMetadata" ma:hidden="true" ma:internalName="MediaServiceFastMetadata" ma:readOnly="true">
-      <xsd:simpleType>
-        <xsd:restriction base="dms:Note"/>
-      </xsd:simpleType>
-    </xsd:element>
-  </xsd:schema>
-  <xsd:schema xmlns="http://schemas.openxmlformats.org/package/2006/metadata/core-properties" xmlns:xsd="http://www.w3.org/2001/XMLSchema" xmlns:xsi="http://www.w3.org/2001/XMLSchema-instance" xmlns:dc="http://purl.org/dc/elements/1.1/" xmlns:dcterms="http://purl.org/dc/terms/" xmlns:odoc="http://schemas.microsoft.com/internal/obd" targetNamespace="http://schemas.openxmlformats.org/package/2006/metadata/core-properties" elementFormDefault="qualified" attributeFormDefault="unqualified" blockDefault="#all">
-    <xsd:import namespace="http://purl.org/dc/elements/1.1/" schemaLocation="http://dublincore.org/schemas/xmls/qdc/2003/04/02/dc.xsd"/>
-    <xsd:import namespace="http://purl.org/dc/terms/" schemaLocation="http://dublincore.org/schemas/xmls/qdc/2003/04/02/dcterms.xsd"/>
-    <xsd:element name="coreProperties" type="CT_coreProperties"/>
-    <xsd:complexType name="CT_coreProperties">
-      <xsd:all>
-        <xsd:element ref="dc:creator" minOccurs="0" maxOccurs="1"/>
-        <xsd:element ref="dcterms:created" minOccurs="0" maxOccurs="1"/>
-        <xsd:element ref="dc:identifier" minOccurs="0" maxOccurs="1"/>
-        <xsd:element name="contentType" minOccurs="0" maxOccurs="1" type="xsd:string" ma:index="0" ma:displayName="Content Type"/>
-        <xsd:element ref="dc:title" minOccurs="0" maxOccurs="1" ma:index="4" ma:displayName="Title"/>
-        <xsd:element ref="dc:subject" minOccurs="0" maxOccurs="1"/>
-        <xsd:element ref="dc:description" minOccurs="0" maxOccurs="1"/>
-        <xsd:element name="keywords" minOccurs="0" maxOccurs="1" type="xsd:string"/>
-        <xsd:element ref="dc:language" minOccurs="0" maxOccurs="1"/>
-        <xsd:element name="category" minOccurs="0" maxOccurs="1" type="xsd:string"/>
-        <xsd:element name="version" minOccurs="0" maxOccurs="1" type="xsd:string"/>
-        <xsd:element name="revision" minOccurs="0" maxOccurs="1" type="xsd:string">
-          <xsd:annotation>
-            <xsd:documentation>
-                        This value indicates the number of saves or revisions. The application is responsible for updating this value after each revision.
-                    </xsd:documentation>
-          </xsd:annotation>
-        </xsd:element>
-        <xsd:element name="lastModifiedBy" minOccurs="0" maxOccurs="1" type="xsd:string"/>
-        <xsd:element ref="dcterms:modified" minOccurs="0" maxOccurs="1"/>
-        <xsd:element name="contentStatus" minOccurs="0" maxOccurs="1" type="xsd:string"/>
-      </xsd:all>
-    </xsd:complexType>
-  </xsd:schema>
-  <xs:schema xmlns:pc="http://schemas.microsoft.com/office/infopath/2007/PartnerControls" xmlns:xs="http://www.w3.org/2001/XMLSchema" targetNamespace="http://schemas.microsoft.com/office/infopath/2007/PartnerControls" elementFormDefault="qualified" attributeFormDefault="unqualified">
-    <xs:element name="Person">
-      <xs:complexType>
-        <xs:sequence>
-          <xs:element ref="pc:DisplayName" minOccurs="0"/>
-          <xs:element ref="pc:AccountId" minOccurs="0"/>
-          <xs:element ref="pc:AccountType" minOccurs="0"/>
-        </xs:sequence>
-      </xs:complexType>
-    </xs:element>
-    <xs:element name="DisplayName" type="xs:string"/>
-    <xs:element name="AccountId" type="xs:string"/>
-    <xs:element name="AccountType" type="xs:string"/>
-    <xs:element name="BDCAssociatedEntity">
-      <xs:complexType>
-        <xs:sequence>
-          <xs:element ref="pc:BDCEntity" minOccurs="0" maxOccurs="unbounded"/>
-        </xs:sequence>
-        <xs:attribute ref="pc:EntityNamespace"/>
-        <xs:attribute ref="pc:EntityName"/>
-        <xs:attribute ref="pc:SystemInstanceName"/>
-        <xs:attribute ref="pc:AssociationName"/>
-      </xs:complexType>
-    </xs:element>
-    <xs:attribute name="EntityNamespace" type="xs:string"/>
-    <xs:attribute name="EntityName" type="xs:string"/>
-    <xs:attribute name="SystemInstanceName" type="xs:string"/>
-    <xs:attribute name="AssociationName" type="xs:string"/>
-    <xs:element name="BDCEntity">
-      <xs:complexType>
-        <xs:sequence>
-          <xs:element ref="pc:EntityDisplayName" minOccurs="0"/>
-          <xs:element ref="pc:EntityInstanceReference" minOccurs="0"/>
-          <xs:element ref="pc:EntityId1" minOccurs="0"/>
-          <xs:element ref="pc:EntityId2" minOccurs="0"/>
-          <xs:element ref="pc:EntityId3" minOccurs="0"/>
-          <xs:element ref="pc:EntityId4" minOccurs="0"/>
-          <xs:element ref="pc:EntityId5" minOccurs="0"/>
-        </xs:sequence>
-      </xs:complexType>
-    </xs:element>
-    <xs:element name="EntityDisplayName" type="xs:string"/>
-    <xs:element name="EntityInstanceReference" type="xs:string"/>
-    <xs:element name="EntityId1" type="xs:string"/>
-    <xs:element name="EntityId2" type="xs:string"/>
-    <xs:element name="EntityId3" type="xs:string"/>
-    <xs:element name="EntityId4" type="xs:string"/>
-    <xs:element name="EntityId5" type="xs:string"/>
-    <xs:element name="Terms">
-      <xs:complexType>
-        <xs:sequence>
-          <xs:element ref="pc:TermInfo" minOccurs="0" maxOccurs="unbounded"/>
-        </xs:sequence>
-      </xs:complexType>
-    </xs:element>
-    <xs:element name="TermInfo">
-      <xs:complexType>
-        <xs:sequence>
-          <xs:element ref="pc:TermName" minOccurs="0"/>
-          <xs:element ref="pc:TermId" minOccurs="0"/>
-        </xs:sequence>
-      </xs:complexType>
-    </xs:element>
-    <xs:element name="TermName" type="xs:string"/>
-    <xs:element name="TermId" type="xs:string"/>
-  </xs:schema>
-</ct:contentTypeSchema>
-</file>
-
-<file path=customXml/itemProps1.xml><?xml version="1.0" encoding="utf-8"?>
-<ds:datastoreItem xmlns:ds="http://schemas.openxmlformats.org/officeDocument/2006/customXml" ds:itemID="{D271BF22-17F3-46ED-95FE-CF738D84085D}">
-  <ds:schemaRefs>
-    <ds:schemaRef ds:uri="http://schemas.microsoft.com/sharepoint/v3/contenttype/forms"/>
-  </ds:schemaRefs>
-</ds:datastoreItem>
-</file>
-
-<file path=customXml/itemProps2.xml><?xml version="1.0" encoding="utf-8"?>
-<ds:datastoreItem xmlns:ds="http://schemas.openxmlformats.org/officeDocument/2006/customXml" ds:itemID="{A719F20E-3DEB-4654-B7F9-4AAB6F5FC839}">
-  <ds:schemaRefs>
-    <ds:schemaRef ds:uri="http://schemas.microsoft.com/office/2006/metadata/properties"/>
-    <ds:schemaRef ds:uri="http://schemas.microsoft.com/office/infopath/2007/PartnerControls"/>
-  </ds:schemaRefs>
-</ds:datastoreItem>
-</file>
-
-<file path=customXml/itemProps3.xml><?xml version="1.0" encoding="utf-8"?>
-<ds:datastoreItem xmlns:ds="http://schemas.openxmlformats.org/officeDocument/2006/customXml" ds:itemID="{C194790B-0425-4752-87AA-FBD10D5653C8}">
-  <ds:schemaRefs>
-    <ds:schemaRef ds:uri="388971c7-f163-48c6-ac2a-a72ef385c425"/>
-    <ds:schemaRef ds:uri="http://purl.org/dc/elements/1.1/"/>
-    <ds:schemaRef ds:uri="http://purl.org/dc/terms/"/>
-    <ds:schemaRef ds:uri="http://schemas.microsoft.com/internal/obd"/>
-    <ds:schemaRef ds:uri="http://schemas.microsoft.com/office/2006/documentManagement/types"/>
-    <ds:schemaRef ds:uri="http://schemas.microsoft.com/office/2006/metadata/contentType"/>
-    <ds:schemaRef ds:uri="http://schemas.microsoft.com/office/2006/metadata/properties"/>
-    <ds:schemaRef ds:uri="http://schemas.microsoft.com/office/2006/metadata/properties/metaAttributes"/>
-    <ds:schemaRef ds:uri="http://schemas.microsoft.com/office/infopath/2007/PartnerControls"/>
-    <ds:schemaRef ds:uri="http://schemas.openxmlformats.org/package/2006/metadata/core-properties"/>
-    <ds:schemaRef ds:uri="http://www.w3.org/2001/XMLSchema"/>
-  </ds:schemaRefs>
-</ds:datastoreItem>
 </file>